--- a/第六章 计算机网络.pptx
+++ b/第六章 计算机网络.pptx
@@ -19,6 +19,11 @@
     <p:sldId id="267" r:id="rId13"/>
     <p:sldId id="268" r:id="rId14"/>
     <p:sldId id="269" r:id="rId15"/>
+    <p:sldId id="270" r:id="rId16"/>
+    <p:sldId id="272" r:id="rId17"/>
+    <p:sldId id="273" r:id="rId18"/>
+    <p:sldId id="271" r:id="rId19"/>
+    <p:sldId id="274" r:id="rId20"/>
   </p:sldIdLst>
   <p:sldSz cx="9144000" cy="6858000" type="screen4x3"/>
   <p:notesSz cx="6858000" cy="9144000"/>
@@ -301,7 +306,7 @@
           <a:p>
             <a:fld id="{530820CF-B880-4189-942D-D702A7CBA730}" type="datetimeFigureOut">
               <a:rPr lang="zh-CN" altLang="en-US" smtClean="0"/>
-              <a:t>2020/9/2</a:t>
+              <a:t>2020/9/3</a:t>
             </a:fld>
             <a:endParaRPr lang="zh-CN" altLang="en-US"/>
           </a:p>
@@ -466,7 +471,7 @@
           <a:p>
             <a:fld id="{530820CF-B880-4189-942D-D702A7CBA730}" type="datetimeFigureOut">
               <a:rPr lang="zh-CN" altLang="en-US" smtClean="0"/>
-              <a:t>2020/9/2</a:t>
+              <a:t>2020/9/3</a:t>
             </a:fld>
             <a:endParaRPr lang="zh-CN" altLang="en-US"/>
           </a:p>
@@ -641,7 +646,7 @@
           <a:p>
             <a:fld id="{530820CF-B880-4189-942D-D702A7CBA730}" type="datetimeFigureOut">
               <a:rPr lang="zh-CN" altLang="en-US" smtClean="0"/>
-              <a:t>2020/9/2</a:t>
+              <a:t>2020/9/3</a:t>
             </a:fld>
             <a:endParaRPr lang="zh-CN" altLang="en-US"/>
           </a:p>
@@ -806,7 +811,7 @@
           <a:p>
             <a:fld id="{530820CF-B880-4189-942D-D702A7CBA730}" type="datetimeFigureOut">
               <a:rPr lang="zh-CN" altLang="en-US" smtClean="0"/>
-              <a:t>2020/9/2</a:t>
+              <a:t>2020/9/3</a:t>
             </a:fld>
             <a:endParaRPr lang="zh-CN" altLang="en-US"/>
           </a:p>
@@ -1047,7 +1052,7 @@
           <a:p>
             <a:fld id="{530820CF-B880-4189-942D-D702A7CBA730}" type="datetimeFigureOut">
               <a:rPr lang="zh-CN" altLang="en-US" smtClean="0"/>
-              <a:t>2020/9/2</a:t>
+              <a:t>2020/9/3</a:t>
             </a:fld>
             <a:endParaRPr lang="zh-CN" altLang="en-US"/>
           </a:p>
@@ -1330,7 +1335,7 @@
           <a:p>
             <a:fld id="{530820CF-B880-4189-942D-D702A7CBA730}" type="datetimeFigureOut">
               <a:rPr lang="zh-CN" altLang="en-US" smtClean="0"/>
-              <a:t>2020/9/2</a:t>
+              <a:t>2020/9/3</a:t>
             </a:fld>
             <a:endParaRPr lang="zh-CN" altLang="en-US"/>
           </a:p>
@@ -1747,7 +1752,7 @@
           <a:p>
             <a:fld id="{530820CF-B880-4189-942D-D702A7CBA730}" type="datetimeFigureOut">
               <a:rPr lang="zh-CN" altLang="en-US" smtClean="0"/>
-              <a:t>2020/9/2</a:t>
+              <a:t>2020/9/3</a:t>
             </a:fld>
             <a:endParaRPr lang="zh-CN" altLang="en-US"/>
           </a:p>
@@ -1860,7 +1865,7 @@
           <a:p>
             <a:fld id="{530820CF-B880-4189-942D-D702A7CBA730}" type="datetimeFigureOut">
               <a:rPr lang="zh-CN" altLang="en-US" smtClean="0"/>
-              <a:t>2020/9/2</a:t>
+              <a:t>2020/9/3</a:t>
             </a:fld>
             <a:endParaRPr lang="zh-CN" altLang="en-US"/>
           </a:p>
@@ -1950,7 +1955,7 @@
           <a:p>
             <a:fld id="{530820CF-B880-4189-942D-D702A7CBA730}" type="datetimeFigureOut">
               <a:rPr lang="zh-CN" altLang="en-US" smtClean="0"/>
-              <a:t>2020/9/2</a:t>
+              <a:t>2020/9/3</a:t>
             </a:fld>
             <a:endParaRPr lang="zh-CN" altLang="en-US"/>
           </a:p>
@@ -2222,7 +2227,7 @@
           <a:p>
             <a:fld id="{530820CF-B880-4189-942D-D702A7CBA730}" type="datetimeFigureOut">
               <a:rPr lang="zh-CN" altLang="en-US" smtClean="0"/>
-              <a:t>2020/9/2</a:t>
+              <a:t>2020/9/3</a:t>
             </a:fld>
             <a:endParaRPr lang="zh-CN" altLang="en-US"/>
           </a:p>
@@ -2470,7 +2475,7 @@
           <a:p>
             <a:fld id="{530820CF-B880-4189-942D-D702A7CBA730}" type="datetimeFigureOut">
               <a:rPr lang="zh-CN" altLang="en-US" smtClean="0"/>
-              <a:t>2020/9/2</a:t>
+              <a:t>2020/9/3</a:t>
             </a:fld>
             <a:endParaRPr lang="zh-CN" altLang="en-US"/>
           </a:p>
@@ -2678,7 +2683,7 @@
           <a:p>
             <a:fld id="{530820CF-B880-4189-942D-D702A7CBA730}" type="datetimeFigureOut">
               <a:rPr lang="zh-CN" altLang="en-US" smtClean="0"/>
-              <a:t>2020/9/2</a:t>
+              <a:t>2020/9/3</a:t>
             </a:fld>
             <a:endParaRPr lang="zh-CN" altLang="en-US"/>
           </a:p>
@@ -3276,7 +3281,7 @@
               <a:graphicData uri="http://schemas.openxmlformats.org/presentationml/2006/ole">
                 <mc:AlternateContent xmlns:mc="http://schemas.openxmlformats.org/markup-compatibility/2006">
                   <mc:Choice xmlns:v="urn:schemas-microsoft-com:vml" Requires="v">
-                    <p:oleObj spid="_x0000_s2051" r:id="rId3" imgW="4753661" imgH="4484827" progId="Visio.Drawing.11">
+                    <p:oleObj spid="_x0000_s2052" r:id="rId3" imgW="4753661" imgH="4484827" progId="Visio.Drawing.11">
                       <p:embed/>
                     </p:oleObj>
                   </mc:Choice>
@@ -3644,7 +3649,7 @@
             <a:graphicData uri="http://schemas.openxmlformats.org/presentationml/2006/ole">
               <mc:AlternateContent xmlns:mc="http://schemas.openxmlformats.org/markup-compatibility/2006">
                 <mc:Choice xmlns:v="urn:schemas-microsoft-com:vml" Requires="v">
-                  <p:oleObj spid="_x0000_s3075" r:id="rId3" imgW="4591812" imgH="4304690" progId="Visio.Drawing.11">
+                  <p:oleObj spid="_x0000_s3076" r:id="rId3" imgW="4591812" imgH="4304690" progId="Visio.Drawing.11">
                     <p:embed/>
                   </p:oleObj>
                 </mc:Choice>
@@ -4026,7 +4031,7 @@
             <a:graphicData uri="http://schemas.openxmlformats.org/presentationml/2006/ole">
               <mc:AlternateContent xmlns:mc="http://schemas.openxmlformats.org/markup-compatibility/2006">
                 <mc:Choice xmlns:v="urn:schemas-microsoft-com:vml" Requires="v">
-                  <p:oleObj spid="_x0000_s4100" r:id="rId3" imgW="4404970" imgH="3908755" progId="Visio.Drawing.11">
+                  <p:oleObj spid="_x0000_s4101" r:id="rId3" imgW="4404970" imgH="3908755" progId="Visio.Drawing.11">
                     <p:embed/>
                   </p:oleObj>
                 </mc:Choice>
@@ -4667,6 +4672,1410 @@
 </p:sld>
 </file>
 
+<file path=ppt/slides/slide15.xml><?xml version="1.0" encoding="utf-8"?>
+<p:sld xmlns:a="http://schemas.openxmlformats.org/drawingml/2006/main" xmlns:r="http://schemas.openxmlformats.org/officeDocument/2006/relationships" xmlns:p="http://schemas.openxmlformats.org/presentationml/2006/main">
+  <p:cSld>
+    <p:spTree>
+      <p:nvGrpSpPr>
+        <p:cNvPr id="1" name=""/>
+        <p:cNvGrpSpPr/>
+        <p:nvPr/>
+      </p:nvGrpSpPr>
+      <p:grpSpPr>
+        <a:xfrm>
+          <a:off x="0" y="0"/>
+          <a:ext cx="0" cy="0"/>
+          <a:chOff x="0" y="0"/>
+          <a:chExt cx="0" cy="0"/>
+        </a:xfrm>
+      </p:grpSpPr>
+      <p:sp>
+        <p:nvSpPr>
+          <p:cNvPr id="2" name="标题 1"/>
+          <p:cNvSpPr>
+            <a:spLocks noGrp="1"/>
+          </p:cNvSpPr>
+          <p:nvPr>
+            <p:ph type="title"/>
+          </p:nvPr>
+        </p:nvSpPr>
+        <p:spPr/>
+        <p:txBody>
+          <a:bodyPr/>
+          <a:lstStyle/>
+          <a:p>
+            <a:r>
+              <a:rPr lang="zh-CN" altLang="en-US" dirty="0"/>
+              <a:t>网络传输介质</a:t>
+            </a:r>
+          </a:p>
+        </p:txBody>
+      </p:sp>
+      <p:pic>
+        <p:nvPicPr>
+          <p:cNvPr id="4" name="Picture 4" descr="1"/>
+          <p:cNvPicPr>
+            <a:picLocks noGrp="1" noChangeAspect="1" noChangeArrowheads="1"/>
+          </p:cNvPicPr>
+          <p:nvPr>
+            <p:ph idx="1"/>
+          </p:nvPr>
+        </p:nvPicPr>
+        <p:blipFill>
+          <a:blip r:embed="rId2">
+            <a:extLst>
+              <a:ext uri="{28A0092B-C50C-407E-A947-70E740481C1C}">
+                <a14:useLocalDpi xmlns:a14="http://schemas.microsoft.com/office/drawing/2010/main" val="0"/>
+              </a:ext>
+            </a:extLst>
+          </a:blip>
+          <a:srcRect/>
+          <a:stretch>
+            <a:fillRect/>
+          </a:stretch>
+        </p:blipFill>
+        <p:spPr>
+          <a:xfrm>
+            <a:off x="2184400" y="1951831"/>
+            <a:ext cx="4775200" cy="3822700"/>
+          </a:xfrm>
+          <a:noFill/>
+          <a:extLst>
+            <a:ext uri="{909E8E84-426E-40DD-AFC4-6F175D3DCCD1}">
+              <a14:hiddenFill xmlns:a14="http://schemas.microsoft.com/office/drawing/2010/main">
+                <a:solidFill>
+                  <a:srgbClr val="FFFFFF"/>
+                </a:solidFill>
+              </a14:hiddenFill>
+            </a:ext>
+          </a:extLst>
+        </p:spPr>
+      </p:pic>
+    </p:spTree>
+    <p:extLst>
+      <p:ext uri="{BB962C8B-B14F-4D97-AF65-F5344CB8AC3E}">
+        <p14:creationId xmlns:p14="http://schemas.microsoft.com/office/powerpoint/2010/main" val="3436738537"/>
+      </p:ext>
+    </p:extLst>
+  </p:cSld>
+  <p:clrMapOvr>
+    <a:masterClrMapping/>
+  </p:clrMapOvr>
+</p:sld>
+</file>
+
+<file path=ppt/slides/slide16.xml><?xml version="1.0" encoding="utf-8"?>
+<p:sld xmlns:a="http://schemas.openxmlformats.org/drawingml/2006/main" xmlns:r="http://schemas.openxmlformats.org/officeDocument/2006/relationships" xmlns:p="http://schemas.openxmlformats.org/presentationml/2006/main">
+  <p:cSld>
+    <p:spTree>
+      <p:nvGrpSpPr>
+        <p:cNvPr id="1" name=""/>
+        <p:cNvGrpSpPr/>
+        <p:nvPr/>
+      </p:nvGrpSpPr>
+      <p:grpSpPr>
+        <a:xfrm>
+          <a:off x="0" y="0"/>
+          <a:ext cx="0" cy="0"/>
+          <a:chOff x="0" y="0"/>
+          <a:chExt cx="0" cy="0"/>
+        </a:xfrm>
+      </p:grpSpPr>
+      <p:sp>
+        <p:nvSpPr>
+          <p:cNvPr id="2" name="标题 1"/>
+          <p:cNvSpPr>
+            <a:spLocks noGrp="1"/>
+          </p:cNvSpPr>
+          <p:nvPr>
+            <p:ph type="title"/>
+          </p:nvPr>
+        </p:nvSpPr>
+        <p:spPr/>
+        <p:txBody>
+          <a:bodyPr/>
+          <a:lstStyle/>
+          <a:p>
+            <a:r>
+              <a:rPr lang="zh-CN" altLang="en-US" dirty="0" smtClean="0"/>
+              <a:t>双绞线</a:t>
+            </a:r>
+            <a:endParaRPr lang="zh-CN" altLang="en-US" dirty="0"/>
+          </a:p>
+        </p:txBody>
+      </p:sp>
+      <p:sp>
+        <p:nvSpPr>
+          <p:cNvPr id="3" name="内容占位符 2"/>
+          <p:cNvSpPr>
+            <a:spLocks noGrp="1"/>
+          </p:cNvSpPr>
+          <p:nvPr>
+            <p:ph idx="1"/>
+          </p:nvPr>
+        </p:nvSpPr>
+        <p:spPr>
+          <a:xfrm>
+            <a:off x="539552" y="1600201"/>
+            <a:ext cx="8147248" cy="1612776"/>
+          </a:xfrm>
+        </p:spPr>
+        <p:txBody>
+          <a:bodyPr/>
+          <a:lstStyle/>
+          <a:p>
+            <a:r>
+              <a:rPr lang="zh-CN" altLang="en-US" dirty="0">
+                <a:solidFill>
+                  <a:schemeClr val="tx2"/>
+                </a:solidFill>
+                <a:latin typeface="华文新魏" pitchFamily="2" charset="-122"/>
+                <a:ea typeface="华文新魏" pitchFamily="2" charset="-122"/>
+              </a:rPr>
+              <a:t>使用双绞线组网，双绞线和其他网络设备（例如网卡）连接必须是</a:t>
+            </a:r>
+            <a:r>
+              <a:rPr lang="en-US" altLang="zh-CN" dirty="0">
+                <a:solidFill>
+                  <a:schemeClr val="tx2"/>
+                </a:solidFill>
+                <a:latin typeface="华文新魏" pitchFamily="2" charset="-122"/>
+                <a:ea typeface="华文新魏" pitchFamily="2" charset="-122"/>
+              </a:rPr>
+              <a:t>RJ-45</a:t>
+            </a:r>
+            <a:r>
+              <a:rPr lang="zh-CN" altLang="en-US" dirty="0">
+                <a:solidFill>
+                  <a:schemeClr val="tx2"/>
+                </a:solidFill>
+                <a:latin typeface="华文新魏" pitchFamily="2" charset="-122"/>
+                <a:ea typeface="华文新魏" pitchFamily="2" charset="-122"/>
+              </a:rPr>
+              <a:t>接头（也叫水晶头）。</a:t>
+            </a:r>
+          </a:p>
+          <a:p>
+            <a:endParaRPr lang="zh-CN" altLang="en-US" dirty="0"/>
+          </a:p>
+        </p:txBody>
+      </p:sp>
+      <p:pic>
+        <p:nvPicPr>
+          <p:cNvPr id="4" name="Picture 3" descr="a2df1be50d221b3341a40d1d"/>
+          <p:cNvPicPr>
+            <a:picLocks noChangeAspect="1" noChangeArrowheads="1"/>
+          </p:cNvPicPr>
+          <p:nvPr/>
+        </p:nvPicPr>
+        <p:blipFill>
+          <a:blip r:embed="rId2">
+            <a:extLst>
+              <a:ext uri="{28A0092B-C50C-407E-A947-70E740481C1C}">
+                <a14:useLocalDpi xmlns:a14="http://schemas.microsoft.com/office/drawing/2010/main" val="0"/>
+              </a:ext>
+            </a:extLst>
+          </a:blip>
+          <a:srcRect/>
+          <a:stretch>
+            <a:fillRect/>
+          </a:stretch>
+        </p:blipFill>
+        <p:spPr bwMode="auto">
+          <a:xfrm>
+            <a:off x="1258886" y="3428314"/>
+            <a:ext cx="2554947" cy="2873946"/>
+          </a:xfrm>
+          <a:prstGeom prst="rect">
+            <a:avLst/>
+          </a:prstGeom>
+          <a:noFill/>
+          <a:ln>
+            <a:noFill/>
+          </a:ln>
+          <a:extLst>
+            <a:ext uri="{909E8E84-426E-40DD-AFC4-6F175D3DCCD1}">
+              <a14:hiddenFill xmlns:a14="http://schemas.microsoft.com/office/drawing/2010/main">
+                <a:solidFill>
+                  <a:srgbClr val="FFFFFF"/>
+                </a:solidFill>
+              </a14:hiddenFill>
+            </a:ext>
+            <a:ext uri="{91240B29-F687-4F45-9708-019B960494DF}">
+              <a14:hiddenLine xmlns:a14="http://schemas.microsoft.com/office/drawing/2010/main" w="9525">
+                <a:solidFill>
+                  <a:srgbClr val="000000"/>
+                </a:solidFill>
+                <a:miter lim="800000"/>
+                <a:headEnd/>
+                <a:tailEnd/>
+              </a14:hiddenLine>
+            </a:ext>
+          </a:extLst>
+        </p:spPr>
+      </p:pic>
+      <p:pic>
+        <p:nvPicPr>
+          <p:cNvPr id="5" name="Picture 6" descr="vcom20cat620sjt"/>
+          <p:cNvPicPr>
+            <a:picLocks noChangeAspect="1" noChangeArrowheads="1"/>
+          </p:cNvPicPr>
+          <p:nvPr/>
+        </p:nvPicPr>
+        <p:blipFill>
+          <a:blip r:embed="rId3">
+            <a:extLst>
+              <a:ext uri="{28A0092B-C50C-407E-A947-70E740481C1C}">
+                <a14:useLocalDpi xmlns:a14="http://schemas.microsoft.com/office/drawing/2010/main" val="0"/>
+              </a:ext>
+            </a:extLst>
+          </a:blip>
+          <a:srcRect/>
+          <a:stretch>
+            <a:fillRect/>
+          </a:stretch>
+        </p:blipFill>
+        <p:spPr bwMode="auto">
+          <a:xfrm>
+            <a:off x="4572000" y="3419019"/>
+            <a:ext cx="3281556" cy="2749891"/>
+          </a:xfrm>
+          <a:prstGeom prst="rect">
+            <a:avLst/>
+          </a:prstGeom>
+          <a:noFill/>
+          <a:ln>
+            <a:noFill/>
+          </a:ln>
+          <a:extLst>
+            <a:ext uri="{909E8E84-426E-40DD-AFC4-6F175D3DCCD1}">
+              <a14:hiddenFill xmlns:a14="http://schemas.microsoft.com/office/drawing/2010/main">
+                <a:solidFill>
+                  <a:srgbClr val="FFFFFF"/>
+                </a:solidFill>
+              </a14:hiddenFill>
+            </a:ext>
+            <a:ext uri="{91240B29-F687-4F45-9708-019B960494DF}">
+              <a14:hiddenLine xmlns:a14="http://schemas.microsoft.com/office/drawing/2010/main" w="9525">
+                <a:solidFill>
+                  <a:srgbClr val="000000"/>
+                </a:solidFill>
+                <a:miter lim="800000"/>
+                <a:headEnd/>
+                <a:tailEnd/>
+              </a14:hiddenLine>
+            </a:ext>
+          </a:extLst>
+        </p:spPr>
+      </p:pic>
+    </p:spTree>
+    <p:extLst>
+      <p:ext uri="{BB962C8B-B14F-4D97-AF65-F5344CB8AC3E}">
+        <p14:creationId xmlns:p14="http://schemas.microsoft.com/office/powerpoint/2010/main" val="4220059880"/>
+      </p:ext>
+    </p:extLst>
+  </p:cSld>
+  <p:clrMapOvr>
+    <a:masterClrMapping/>
+  </p:clrMapOvr>
+  <p:timing>
+    <p:tnLst>
+      <p:par>
+        <p:cTn id="1" dur="indefinite" restart="never" nodeType="tmRoot">
+          <p:childTnLst>
+            <p:seq concurrent="1" nextAc="seek">
+              <p:cTn id="2" dur="indefinite" nodeType="mainSeq">
+                <p:childTnLst>
+                  <p:par>
+                    <p:cTn id="3" fill="hold">
+                      <p:stCondLst>
+                        <p:cond delay="indefinite"/>
+                      </p:stCondLst>
+                      <p:childTnLst>
+                        <p:par>
+                          <p:cTn id="4" fill="hold">
+                            <p:stCondLst>
+                              <p:cond delay="0"/>
+                            </p:stCondLst>
+                            <p:childTnLst>
+                              <p:par>
+                                <p:cTn id="5" presetID="2" presetClass="entr" presetSubtype="4" fill="hold" nodeType="clickEffect">
+                                  <p:stCondLst>
+                                    <p:cond delay="0"/>
+                                  </p:stCondLst>
+                                  <p:childTnLst>
+                                    <p:set>
+                                      <p:cBhvr>
+                                        <p:cTn id="6" dur="1" fill="hold">
+                                          <p:stCondLst>
+                                            <p:cond delay="0"/>
+                                          </p:stCondLst>
+                                        </p:cTn>
+                                        <p:tgtEl>
+                                          <p:spTgt spid="4"/>
+                                        </p:tgtEl>
+                                        <p:attrNameLst>
+                                          <p:attrName>style.visibility</p:attrName>
+                                        </p:attrNameLst>
+                                      </p:cBhvr>
+                                      <p:to>
+                                        <p:strVal val="visible"/>
+                                      </p:to>
+                                    </p:set>
+                                    <p:anim calcmode="lin" valueType="num">
+                                      <p:cBhvr additive="base">
+                                        <p:cTn id="7" dur="500" fill="hold"/>
+                                        <p:tgtEl>
+                                          <p:spTgt spid="4"/>
+                                        </p:tgtEl>
+                                        <p:attrNameLst>
+                                          <p:attrName>ppt_x</p:attrName>
+                                        </p:attrNameLst>
+                                      </p:cBhvr>
+                                      <p:tavLst>
+                                        <p:tav tm="0">
+                                          <p:val>
+                                            <p:strVal val="#ppt_x"/>
+                                          </p:val>
+                                        </p:tav>
+                                        <p:tav tm="100000">
+                                          <p:val>
+                                            <p:strVal val="#ppt_x"/>
+                                          </p:val>
+                                        </p:tav>
+                                      </p:tavLst>
+                                    </p:anim>
+                                    <p:anim calcmode="lin" valueType="num">
+                                      <p:cBhvr additive="base">
+                                        <p:cTn id="8" dur="500" fill="hold"/>
+                                        <p:tgtEl>
+                                          <p:spTgt spid="4"/>
+                                        </p:tgtEl>
+                                        <p:attrNameLst>
+                                          <p:attrName>ppt_y</p:attrName>
+                                        </p:attrNameLst>
+                                      </p:cBhvr>
+                                      <p:tavLst>
+                                        <p:tav tm="0">
+                                          <p:val>
+                                            <p:strVal val="1+#ppt_h/2"/>
+                                          </p:val>
+                                        </p:tav>
+                                        <p:tav tm="100000">
+                                          <p:val>
+                                            <p:strVal val="#ppt_y"/>
+                                          </p:val>
+                                        </p:tav>
+                                      </p:tavLst>
+                                    </p:anim>
+                                  </p:childTnLst>
+                                </p:cTn>
+                              </p:par>
+                            </p:childTnLst>
+                          </p:cTn>
+                        </p:par>
+                      </p:childTnLst>
+                    </p:cTn>
+                  </p:par>
+                  <p:par>
+                    <p:cTn id="9" fill="hold">
+                      <p:stCondLst>
+                        <p:cond delay="indefinite"/>
+                      </p:stCondLst>
+                      <p:childTnLst>
+                        <p:par>
+                          <p:cTn id="10" fill="hold">
+                            <p:stCondLst>
+                              <p:cond delay="0"/>
+                            </p:stCondLst>
+                            <p:childTnLst>
+                              <p:par>
+                                <p:cTn id="11" presetID="3" presetClass="entr" presetSubtype="10" fill="hold" nodeType="clickEffect">
+                                  <p:stCondLst>
+                                    <p:cond delay="0"/>
+                                  </p:stCondLst>
+                                  <p:childTnLst>
+                                    <p:set>
+                                      <p:cBhvr>
+                                        <p:cTn id="12" dur="1" fill="hold">
+                                          <p:stCondLst>
+                                            <p:cond delay="0"/>
+                                          </p:stCondLst>
+                                        </p:cTn>
+                                        <p:tgtEl>
+                                          <p:spTgt spid="5"/>
+                                        </p:tgtEl>
+                                        <p:attrNameLst>
+                                          <p:attrName>style.visibility</p:attrName>
+                                        </p:attrNameLst>
+                                      </p:cBhvr>
+                                      <p:to>
+                                        <p:strVal val="visible"/>
+                                      </p:to>
+                                    </p:set>
+                                    <p:animEffect transition="in" filter="blinds(horizontal)">
+                                      <p:cBhvr>
+                                        <p:cTn id="13" dur="500"/>
+                                        <p:tgtEl>
+                                          <p:spTgt spid="5"/>
+                                        </p:tgtEl>
+                                      </p:cBhvr>
+                                    </p:animEffect>
+                                  </p:childTnLst>
+                                </p:cTn>
+                              </p:par>
+                            </p:childTnLst>
+                          </p:cTn>
+                        </p:par>
+                      </p:childTnLst>
+                    </p:cTn>
+                  </p:par>
+                </p:childTnLst>
+              </p:cTn>
+              <p:prevCondLst>
+                <p:cond evt="onPrev" delay="0">
+                  <p:tgtEl>
+                    <p:sldTgt/>
+                  </p:tgtEl>
+                </p:cond>
+              </p:prevCondLst>
+              <p:nextCondLst>
+                <p:cond evt="onNext" delay="0">
+                  <p:tgtEl>
+                    <p:sldTgt/>
+                  </p:tgtEl>
+                </p:cond>
+              </p:nextCondLst>
+            </p:seq>
+          </p:childTnLst>
+        </p:cTn>
+      </p:par>
+    </p:tnLst>
+  </p:timing>
+</p:sld>
+</file>
+
+<file path=ppt/slides/slide17.xml><?xml version="1.0" encoding="utf-8"?>
+<p:sld xmlns:a="http://schemas.openxmlformats.org/drawingml/2006/main" xmlns:r="http://schemas.openxmlformats.org/officeDocument/2006/relationships" xmlns:p="http://schemas.openxmlformats.org/presentationml/2006/main">
+  <p:cSld>
+    <p:spTree>
+      <p:nvGrpSpPr>
+        <p:cNvPr id="1" name=""/>
+        <p:cNvGrpSpPr/>
+        <p:nvPr/>
+      </p:nvGrpSpPr>
+      <p:grpSpPr>
+        <a:xfrm>
+          <a:off x="0" y="0"/>
+          <a:ext cx="0" cy="0"/>
+          <a:chOff x="0" y="0"/>
+          <a:chExt cx="0" cy="0"/>
+        </a:xfrm>
+      </p:grpSpPr>
+      <p:sp>
+        <p:nvSpPr>
+          <p:cNvPr id="2" name="标题 1"/>
+          <p:cNvSpPr>
+            <a:spLocks noGrp="1"/>
+          </p:cNvSpPr>
+          <p:nvPr>
+            <p:ph type="title"/>
+          </p:nvPr>
+        </p:nvSpPr>
+        <p:spPr/>
+        <p:txBody>
+          <a:bodyPr/>
+          <a:lstStyle/>
+          <a:p>
+            <a:endParaRPr lang="zh-CN" altLang="en-US"/>
+          </a:p>
+        </p:txBody>
+      </p:sp>
+      <p:sp>
+        <p:nvSpPr>
+          <p:cNvPr id="3" name="内容占位符 2"/>
+          <p:cNvSpPr>
+            <a:spLocks noGrp="1"/>
+          </p:cNvSpPr>
+          <p:nvPr>
+            <p:ph idx="1"/>
+          </p:nvPr>
+        </p:nvSpPr>
+        <p:spPr/>
+        <p:txBody>
+          <a:bodyPr/>
+          <a:lstStyle/>
+          <a:p>
+            <a:pPr>
+              <a:lnSpc>
+                <a:spcPct val="110000"/>
+              </a:lnSpc>
+            </a:pPr>
+            <a:r>
+              <a:rPr lang="zh-CN" altLang="en-US" sz="2400" dirty="0">
+                <a:latin typeface="华文新魏" pitchFamily="2" charset="-122"/>
+                <a:ea typeface="华文新魏" pitchFamily="2" charset="-122"/>
+              </a:rPr>
+              <a:t>双绞线</a:t>
+            </a:r>
+            <a:r>
+              <a:rPr lang="en-US" altLang="zh-CN" sz="2400" dirty="0">
+                <a:latin typeface="华文新魏" pitchFamily="2" charset="-122"/>
+                <a:ea typeface="华文新魏" pitchFamily="2" charset="-122"/>
+              </a:rPr>
+              <a:t>(</a:t>
+            </a:r>
+            <a:r>
+              <a:rPr lang="en-US" altLang="zh-CN" sz="2400" dirty="0" err="1">
+                <a:latin typeface="华文新魏" pitchFamily="2" charset="-122"/>
+                <a:ea typeface="华文新魏" pitchFamily="2" charset="-122"/>
+              </a:rPr>
+              <a:t>TP:Twisted</a:t>
+            </a:r>
+            <a:r>
+              <a:rPr lang="en-US" altLang="zh-CN" sz="2400" dirty="0">
+                <a:latin typeface="华文新魏" pitchFamily="2" charset="-122"/>
+                <a:ea typeface="华文新魏" pitchFamily="2" charset="-122"/>
+              </a:rPr>
+              <a:t> </a:t>
+            </a:r>
+            <a:r>
+              <a:rPr lang="en-US" altLang="zh-CN" sz="2400" dirty="0" err="1">
+                <a:latin typeface="华文新魏" pitchFamily="2" charset="-122"/>
+                <a:ea typeface="华文新魏" pitchFamily="2" charset="-122"/>
+              </a:rPr>
+              <a:t>Pairwire</a:t>
+            </a:r>
+            <a:r>
+              <a:rPr lang="en-US" altLang="zh-CN" sz="2400" dirty="0">
+                <a:latin typeface="华文新魏" pitchFamily="2" charset="-122"/>
+                <a:ea typeface="华文新魏" pitchFamily="2" charset="-122"/>
+              </a:rPr>
+              <a:t>)</a:t>
+            </a:r>
+            <a:r>
+              <a:rPr lang="zh-CN" altLang="en-US" sz="2400" dirty="0">
+                <a:latin typeface="华文新魏" pitchFamily="2" charset="-122"/>
+                <a:ea typeface="华文新魏" pitchFamily="2" charset="-122"/>
+              </a:rPr>
+              <a:t>：由两条互相绝缘的铜线组成，其典型粗细为直径</a:t>
+            </a:r>
+            <a:r>
+              <a:rPr lang="en-US" altLang="zh-CN" sz="2400" dirty="0">
+                <a:latin typeface="华文新魏" pitchFamily="2" charset="-122"/>
+                <a:ea typeface="华文新魏" pitchFamily="2" charset="-122"/>
+                <a:cs typeface="Times New Roman" charset="0"/>
+              </a:rPr>
+              <a:t>1mm</a:t>
+            </a:r>
+            <a:r>
+              <a:rPr lang="zh-CN" altLang="en-US" sz="2400" dirty="0">
+                <a:latin typeface="华文新魏" pitchFamily="2" charset="-122"/>
+                <a:ea typeface="华文新魏" pitchFamily="2" charset="-122"/>
+              </a:rPr>
+              <a:t>，这两条线像螺纹一样拧在一起，这样可以减少邻近线路的电气干扰。</a:t>
+            </a:r>
+          </a:p>
+          <a:p>
+            <a:pPr>
+              <a:lnSpc>
+                <a:spcPct val="110000"/>
+              </a:lnSpc>
+            </a:pPr>
+            <a:r>
+              <a:rPr lang="zh-CN" altLang="en-US" sz="2400" dirty="0">
+                <a:latin typeface="华文新魏" pitchFamily="2" charset="-122"/>
+                <a:ea typeface="华文新魏" pitchFamily="2" charset="-122"/>
+              </a:rPr>
+              <a:t>双绞线可分为</a:t>
+            </a:r>
+          </a:p>
+          <a:p>
+            <a:pPr lvl="1">
+              <a:lnSpc>
+                <a:spcPct val="110000"/>
+              </a:lnSpc>
+            </a:pPr>
+            <a:r>
+              <a:rPr lang="zh-CN" altLang="en-US" sz="2000" dirty="0">
+                <a:latin typeface="华文新魏" pitchFamily="2" charset="-122"/>
+                <a:ea typeface="华文新魏" pitchFamily="2" charset="-122"/>
+              </a:rPr>
+              <a:t>非屏蔽双绞线</a:t>
+            </a:r>
+            <a:r>
+              <a:rPr lang="en-US" altLang="zh-CN" sz="2000" dirty="0">
+                <a:latin typeface="华文新魏" pitchFamily="2" charset="-122"/>
+                <a:ea typeface="华文新魏" pitchFamily="2" charset="-122"/>
+              </a:rPr>
+              <a:t>(</a:t>
+            </a:r>
+            <a:r>
+              <a:rPr lang="en-US" altLang="zh-CN" sz="2000" dirty="0" err="1">
+                <a:latin typeface="华文新魏" pitchFamily="2" charset="-122"/>
+                <a:ea typeface="华文新魏" pitchFamily="2" charset="-122"/>
+              </a:rPr>
+              <a:t>UTP:Unshielded</a:t>
+            </a:r>
+            <a:r>
+              <a:rPr lang="en-US" altLang="zh-CN" sz="2000" dirty="0">
+                <a:latin typeface="华文新魏" pitchFamily="2" charset="-122"/>
+                <a:ea typeface="华文新魏" pitchFamily="2" charset="-122"/>
+              </a:rPr>
+              <a:t> Twisted Pair)</a:t>
+            </a:r>
+          </a:p>
+          <a:p>
+            <a:pPr lvl="1">
+              <a:lnSpc>
+                <a:spcPct val="110000"/>
+              </a:lnSpc>
+            </a:pPr>
+            <a:r>
+              <a:rPr lang="zh-CN" altLang="en-US" sz="2000" dirty="0">
+                <a:latin typeface="华文新魏" pitchFamily="2" charset="-122"/>
+                <a:ea typeface="华文新魏" pitchFamily="2" charset="-122"/>
+              </a:rPr>
+              <a:t>屏蔽双绞线</a:t>
+            </a:r>
+            <a:r>
+              <a:rPr lang="en-US" altLang="zh-CN" sz="2000" dirty="0">
+                <a:latin typeface="华文新魏" pitchFamily="2" charset="-122"/>
+                <a:ea typeface="华文新魏" pitchFamily="2" charset="-122"/>
+              </a:rPr>
+              <a:t>(</a:t>
+            </a:r>
+            <a:r>
+              <a:rPr lang="en-US" altLang="zh-CN" sz="2000" dirty="0" err="1">
+                <a:latin typeface="华文新魏" pitchFamily="2" charset="-122"/>
+                <a:ea typeface="华文新魏" pitchFamily="2" charset="-122"/>
+              </a:rPr>
+              <a:t>STP:Shielded</a:t>
+            </a:r>
+            <a:r>
+              <a:rPr lang="en-US" altLang="zh-CN" sz="2000" dirty="0">
+                <a:latin typeface="华文新魏" pitchFamily="2" charset="-122"/>
+                <a:ea typeface="华文新魏" pitchFamily="2" charset="-122"/>
+              </a:rPr>
+              <a:t> Twisted Pair):</a:t>
+            </a:r>
+            <a:r>
+              <a:rPr lang="zh-CN" altLang="en-US" sz="2000" dirty="0">
+                <a:latin typeface="华文新魏" pitchFamily="2" charset="-122"/>
+                <a:ea typeface="华文新魏" pitchFamily="2" charset="-122"/>
+              </a:rPr>
+              <a:t>电缆的外层由铝箔包裹着，价格相对高</a:t>
+            </a:r>
+          </a:p>
+          <a:p>
+            <a:pPr>
+              <a:lnSpc>
+                <a:spcPct val="110000"/>
+              </a:lnSpc>
+            </a:pPr>
+            <a:r>
+              <a:rPr lang="zh-CN" altLang="en-US" sz="2400" dirty="0">
+                <a:latin typeface="华文新魏" pitchFamily="2" charset="-122"/>
+                <a:ea typeface="华文新魏" pitchFamily="2" charset="-122"/>
+              </a:rPr>
+              <a:t>分类：</a:t>
+            </a:r>
+            <a:r>
+              <a:rPr lang="en-US" altLang="zh-CN" sz="2400" dirty="0">
+                <a:latin typeface="华文新魏" pitchFamily="2" charset="-122"/>
+                <a:ea typeface="华文新魏" pitchFamily="2" charset="-122"/>
+              </a:rPr>
+              <a:t>3</a:t>
+            </a:r>
+            <a:r>
+              <a:rPr lang="zh-CN" altLang="en-US" sz="2400" dirty="0">
+                <a:latin typeface="华文新魏" pitchFamily="2" charset="-122"/>
+                <a:ea typeface="华文新魏" pitchFamily="2" charset="-122"/>
+              </a:rPr>
+              <a:t>类线、</a:t>
+            </a:r>
+            <a:r>
+              <a:rPr lang="en-US" altLang="zh-CN" sz="2400" dirty="0">
+                <a:latin typeface="华文新魏" pitchFamily="2" charset="-122"/>
+                <a:ea typeface="华文新魏" pitchFamily="2" charset="-122"/>
+              </a:rPr>
+              <a:t>4</a:t>
+            </a:r>
+            <a:r>
+              <a:rPr lang="zh-CN" altLang="en-US" sz="2400" dirty="0">
+                <a:latin typeface="华文新魏" pitchFamily="2" charset="-122"/>
+                <a:ea typeface="华文新魏" pitchFamily="2" charset="-122"/>
+              </a:rPr>
+              <a:t>类线、</a:t>
+            </a:r>
+            <a:r>
+              <a:rPr lang="en-US" altLang="zh-CN" sz="2400" dirty="0">
+                <a:latin typeface="华文新魏" pitchFamily="2" charset="-122"/>
+                <a:ea typeface="华文新魏" pitchFamily="2" charset="-122"/>
+              </a:rPr>
+              <a:t>5</a:t>
+            </a:r>
+            <a:r>
+              <a:rPr lang="zh-CN" altLang="en-US" sz="2400" dirty="0">
+                <a:latin typeface="华文新魏" pitchFamily="2" charset="-122"/>
+                <a:ea typeface="华文新魏" pitchFamily="2" charset="-122"/>
+              </a:rPr>
+              <a:t>类线、超</a:t>
+            </a:r>
+            <a:r>
+              <a:rPr lang="en-US" altLang="zh-CN" sz="2400" dirty="0">
+                <a:latin typeface="华文新魏" pitchFamily="2" charset="-122"/>
+                <a:ea typeface="华文新魏" pitchFamily="2" charset="-122"/>
+              </a:rPr>
+              <a:t>5</a:t>
+            </a:r>
+            <a:r>
+              <a:rPr lang="zh-CN" altLang="en-US" sz="2400" dirty="0">
+                <a:latin typeface="华文新魏" pitchFamily="2" charset="-122"/>
+                <a:ea typeface="华文新魏" pitchFamily="2" charset="-122"/>
+              </a:rPr>
+              <a:t>类线、</a:t>
+            </a:r>
+            <a:r>
+              <a:rPr lang="en-US" altLang="zh-CN" sz="2400" dirty="0">
+                <a:latin typeface="华文新魏" pitchFamily="2" charset="-122"/>
+                <a:ea typeface="华文新魏" pitchFamily="2" charset="-122"/>
+              </a:rPr>
+              <a:t>6</a:t>
+            </a:r>
+            <a:r>
+              <a:rPr lang="zh-CN" altLang="en-US" sz="2400" dirty="0">
+                <a:latin typeface="华文新魏" pitchFamily="2" charset="-122"/>
+                <a:ea typeface="华文新魏" pitchFamily="2" charset="-122"/>
+              </a:rPr>
+              <a:t>类线</a:t>
+            </a:r>
+          </a:p>
+          <a:p>
+            <a:pPr lvl="1">
+              <a:lnSpc>
+                <a:spcPct val="110000"/>
+              </a:lnSpc>
+            </a:pPr>
+            <a:r>
+              <a:rPr lang="en-US" altLang="zh-CN" sz="2000" dirty="0">
+                <a:latin typeface="华文新魏" pitchFamily="2" charset="-122"/>
+                <a:ea typeface="华文新魏" pitchFamily="2" charset="-122"/>
+              </a:rPr>
+              <a:t>5</a:t>
+            </a:r>
+            <a:r>
+              <a:rPr lang="zh-CN" altLang="en-US" sz="2000" dirty="0">
+                <a:latin typeface="华文新魏" pitchFamily="2" charset="-122"/>
+                <a:ea typeface="华文新魏" pitchFamily="2" charset="-122"/>
+              </a:rPr>
+              <a:t>类线、超</a:t>
+            </a:r>
+            <a:r>
+              <a:rPr lang="en-US" altLang="zh-CN" sz="2000" dirty="0">
+                <a:latin typeface="华文新魏" pitchFamily="2" charset="-122"/>
+                <a:ea typeface="华文新魏" pitchFamily="2" charset="-122"/>
+              </a:rPr>
+              <a:t>5</a:t>
+            </a:r>
+            <a:r>
+              <a:rPr lang="zh-CN" altLang="en-US" sz="2000" dirty="0">
+                <a:latin typeface="华文新魏" pitchFamily="2" charset="-122"/>
+                <a:ea typeface="华文新魏" pitchFamily="2" charset="-122"/>
+              </a:rPr>
+              <a:t>类线、</a:t>
+            </a:r>
+            <a:r>
+              <a:rPr lang="en-US" altLang="zh-CN" sz="2000" dirty="0">
+                <a:latin typeface="华文新魏" pitchFamily="2" charset="-122"/>
+                <a:ea typeface="华文新魏" pitchFamily="2" charset="-122"/>
+              </a:rPr>
+              <a:t>6</a:t>
+            </a:r>
+            <a:r>
+              <a:rPr lang="zh-CN" altLang="en-US" sz="2000" dirty="0">
+                <a:latin typeface="华文新魏" pitchFamily="2" charset="-122"/>
+                <a:ea typeface="华文新魏" pitchFamily="2" charset="-122"/>
+              </a:rPr>
+              <a:t>类线是网络布线最常用的网线</a:t>
+            </a:r>
+          </a:p>
+          <a:p>
+            <a:endParaRPr lang="zh-CN" altLang="en-US" dirty="0"/>
+          </a:p>
+        </p:txBody>
+      </p:sp>
+      <p:pic>
+        <p:nvPicPr>
+          <p:cNvPr id="4" name="Picture 4" descr="双绞线2"/>
+          <p:cNvPicPr>
+            <a:picLocks noChangeAspect="1" noChangeArrowheads="1"/>
+          </p:cNvPicPr>
+          <p:nvPr/>
+        </p:nvPicPr>
+        <p:blipFill>
+          <a:blip r:embed="rId2">
+            <a:extLst>
+              <a:ext uri="{28A0092B-C50C-407E-A947-70E740481C1C}">
+                <a14:useLocalDpi xmlns:a14="http://schemas.microsoft.com/office/drawing/2010/main" val="0"/>
+              </a:ext>
+            </a:extLst>
+          </a:blip>
+          <a:srcRect/>
+          <a:stretch>
+            <a:fillRect/>
+          </a:stretch>
+        </p:blipFill>
+        <p:spPr>
+          <a:xfrm>
+            <a:off x="7596336" y="2564904"/>
+            <a:ext cx="900100" cy="1200133"/>
+          </a:xfrm>
+          <a:prstGeom prst="rect">
+            <a:avLst/>
+          </a:prstGeom>
+          <a:noFill/>
+          <a:extLst>
+            <a:ext uri="{909E8E84-426E-40DD-AFC4-6F175D3DCCD1}">
+              <a14:hiddenFill xmlns:a14="http://schemas.microsoft.com/office/drawing/2010/main">
+                <a:solidFill>
+                  <a:srgbClr val="FFFFFF"/>
+                </a:solidFill>
+              </a14:hiddenFill>
+            </a:ext>
+          </a:extLst>
+        </p:spPr>
+      </p:pic>
+    </p:spTree>
+    <p:extLst>
+      <p:ext uri="{BB962C8B-B14F-4D97-AF65-F5344CB8AC3E}">
+        <p14:creationId xmlns:p14="http://schemas.microsoft.com/office/powerpoint/2010/main" val="3309952743"/>
+      </p:ext>
+    </p:extLst>
+  </p:cSld>
+  <p:clrMapOvr>
+    <a:masterClrMapping/>
+  </p:clrMapOvr>
+  <p:timing>
+    <p:tnLst>
+      <p:par>
+        <p:cTn id="1" dur="indefinite" restart="never" nodeType="tmRoot">
+          <p:childTnLst>
+            <p:seq concurrent="1" nextAc="seek">
+              <p:cTn id="2" dur="indefinite" nodeType="mainSeq">
+                <p:childTnLst>
+                  <p:par>
+                    <p:cTn id="3" fill="hold">
+                      <p:stCondLst>
+                        <p:cond delay="indefinite"/>
+                        <p:cond evt="onBegin" delay="0">
+                          <p:tn val="2"/>
+                        </p:cond>
+                      </p:stCondLst>
+                      <p:childTnLst>
+                        <p:par>
+                          <p:cTn id="4" fill="hold">
+                            <p:stCondLst>
+                              <p:cond delay="0"/>
+                            </p:stCondLst>
+                            <p:childTnLst>
+                              <p:par>
+                                <p:cTn id="5" presetID="23" presetClass="entr" presetSubtype="16" fill="hold" nodeType="afterEffect">
+                                  <p:stCondLst>
+                                    <p:cond delay="0"/>
+                                  </p:stCondLst>
+                                  <p:childTnLst>
+                                    <p:set>
+                                      <p:cBhvr>
+                                        <p:cTn id="6" dur="1" fill="hold">
+                                          <p:stCondLst>
+                                            <p:cond delay="0"/>
+                                          </p:stCondLst>
+                                        </p:cTn>
+                                        <p:tgtEl>
+                                          <p:spTgt spid="4"/>
+                                        </p:tgtEl>
+                                        <p:attrNameLst>
+                                          <p:attrName>style.visibility</p:attrName>
+                                        </p:attrNameLst>
+                                      </p:cBhvr>
+                                      <p:to>
+                                        <p:strVal val="visible"/>
+                                      </p:to>
+                                    </p:set>
+                                    <p:anim calcmode="lin" valueType="num">
+                                      <p:cBhvr>
+                                        <p:cTn id="7" dur="500" fill="hold"/>
+                                        <p:tgtEl>
+                                          <p:spTgt spid="4"/>
+                                        </p:tgtEl>
+                                        <p:attrNameLst>
+                                          <p:attrName>ppt_w</p:attrName>
+                                        </p:attrNameLst>
+                                      </p:cBhvr>
+                                      <p:tavLst>
+                                        <p:tav tm="0">
+                                          <p:val>
+                                            <p:fltVal val="0"/>
+                                          </p:val>
+                                        </p:tav>
+                                        <p:tav tm="100000">
+                                          <p:val>
+                                            <p:strVal val="#ppt_w"/>
+                                          </p:val>
+                                        </p:tav>
+                                      </p:tavLst>
+                                    </p:anim>
+                                    <p:anim calcmode="lin" valueType="num">
+                                      <p:cBhvr>
+                                        <p:cTn id="8" dur="500" fill="hold"/>
+                                        <p:tgtEl>
+                                          <p:spTgt spid="4"/>
+                                        </p:tgtEl>
+                                        <p:attrNameLst>
+                                          <p:attrName>ppt_h</p:attrName>
+                                        </p:attrNameLst>
+                                      </p:cBhvr>
+                                      <p:tavLst>
+                                        <p:tav tm="0">
+                                          <p:val>
+                                            <p:fltVal val="0"/>
+                                          </p:val>
+                                        </p:tav>
+                                        <p:tav tm="100000">
+                                          <p:val>
+                                            <p:strVal val="#ppt_h"/>
+                                          </p:val>
+                                        </p:tav>
+                                      </p:tavLst>
+                                    </p:anim>
+                                  </p:childTnLst>
+                                </p:cTn>
+                              </p:par>
+                            </p:childTnLst>
+                          </p:cTn>
+                        </p:par>
+                      </p:childTnLst>
+                    </p:cTn>
+                  </p:par>
+                </p:childTnLst>
+              </p:cTn>
+              <p:prevCondLst>
+                <p:cond evt="onPrev" delay="0">
+                  <p:tgtEl>
+                    <p:sldTgt/>
+                  </p:tgtEl>
+                </p:cond>
+              </p:prevCondLst>
+              <p:nextCondLst>
+                <p:cond evt="onNext" delay="0">
+                  <p:tgtEl>
+                    <p:sldTgt/>
+                  </p:tgtEl>
+                </p:cond>
+              </p:nextCondLst>
+            </p:seq>
+          </p:childTnLst>
+        </p:cTn>
+      </p:par>
+    </p:tnLst>
+  </p:timing>
+</p:sld>
+</file>
+
+<file path=ppt/slides/slide18.xml><?xml version="1.0" encoding="utf-8"?>
+<p:sld xmlns:a="http://schemas.openxmlformats.org/drawingml/2006/main" xmlns:r="http://schemas.openxmlformats.org/officeDocument/2006/relationships" xmlns:p="http://schemas.openxmlformats.org/presentationml/2006/main">
+  <p:cSld>
+    <p:spTree>
+      <p:nvGrpSpPr>
+        <p:cNvPr id="1" name=""/>
+        <p:cNvGrpSpPr/>
+        <p:nvPr/>
+      </p:nvGrpSpPr>
+      <p:grpSpPr>
+        <a:xfrm>
+          <a:off x="0" y="0"/>
+          <a:ext cx="0" cy="0"/>
+          <a:chOff x="0" y="0"/>
+          <a:chExt cx="0" cy="0"/>
+        </a:xfrm>
+      </p:grpSpPr>
+      <p:pic>
+        <p:nvPicPr>
+          <p:cNvPr id="4" name="Picture 4" descr="2"/>
+          <p:cNvPicPr>
+            <a:picLocks noGrp="1" noChangeAspect="1" noChangeArrowheads="1"/>
+          </p:cNvPicPr>
+          <p:nvPr>
+            <p:ph idx="1"/>
+          </p:nvPr>
+        </p:nvPicPr>
+        <p:blipFill>
+          <a:blip r:embed="rId2">
+            <a:extLst>
+              <a:ext uri="{28A0092B-C50C-407E-A947-70E740481C1C}">
+                <a14:useLocalDpi xmlns:a14="http://schemas.microsoft.com/office/drawing/2010/main" val="0"/>
+              </a:ext>
+            </a:extLst>
+          </a:blip>
+          <a:srcRect/>
+          <a:stretch>
+            <a:fillRect/>
+          </a:stretch>
+        </p:blipFill>
+        <p:spPr>
+          <a:xfrm>
+            <a:off x="1259632" y="908719"/>
+            <a:ext cx="6552728" cy="4809981"/>
+          </a:xfrm>
+          <a:noFill/>
+          <a:extLst>
+            <a:ext uri="{909E8E84-426E-40DD-AFC4-6F175D3DCCD1}">
+              <a14:hiddenFill xmlns:a14="http://schemas.microsoft.com/office/drawing/2010/main">
+                <a:solidFill>
+                  <a:srgbClr val="FFFFFF"/>
+                </a:solidFill>
+              </a14:hiddenFill>
+            </a:ext>
+          </a:extLst>
+        </p:spPr>
+      </p:pic>
+    </p:spTree>
+    <p:extLst>
+      <p:ext uri="{BB962C8B-B14F-4D97-AF65-F5344CB8AC3E}">
+        <p14:creationId xmlns:p14="http://schemas.microsoft.com/office/powerpoint/2010/main" val="3494362105"/>
+      </p:ext>
+    </p:extLst>
+  </p:cSld>
+  <p:clrMapOvr>
+    <a:masterClrMapping/>
+  </p:clrMapOvr>
+</p:sld>
+</file>
+
+<file path=ppt/slides/slide19.xml><?xml version="1.0" encoding="utf-8"?>
+<p:sld xmlns:a="http://schemas.openxmlformats.org/drawingml/2006/main" xmlns:r="http://schemas.openxmlformats.org/officeDocument/2006/relationships" xmlns:p="http://schemas.openxmlformats.org/presentationml/2006/main">
+  <p:cSld>
+    <p:spTree>
+      <p:nvGrpSpPr>
+        <p:cNvPr id="1" name=""/>
+        <p:cNvGrpSpPr/>
+        <p:nvPr/>
+      </p:nvGrpSpPr>
+      <p:grpSpPr>
+        <a:xfrm>
+          <a:off x="0" y="0"/>
+          <a:ext cx="0" cy="0"/>
+          <a:chOff x="0" y="0"/>
+          <a:chExt cx="0" cy="0"/>
+        </a:xfrm>
+      </p:grpSpPr>
+      <p:sp>
+        <p:nvSpPr>
+          <p:cNvPr id="3" name="内容占位符 2"/>
+          <p:cNvSpPr>
+            <a:spLocks noGrp="1"/>
+          </p:cNvSpPr>
+          <p:nvPr>
+            <p:ph idx="1"/>
+          </p:nvPr>
+        </p:nvSpPr>
+        <p:spPr>
+          <a:xfrm>
+            <a:off x="323528" y="332657"/>
+            <a:ext cx="8352928" cy="3456384"/>
+          </a:xfrm>
+        </p:spPr>
+        <p:txBody>
+          <a:bodyPr/>
+          <a:lstStyle/>
+          <a:p>
+            <a:r>
+              <a:rPr lang="zh-CN" altLang="en-US" dirty="0">
+                <a:latin typeface="华文新魏" pitchFamily="2" charset="-122"/>
+                <a:ea typeface="华文新魏" pitchFamily="2" charset="-122"/>
+              </a:rPr>
+              <a:t>直通线缆：水晶头两端都遵循</a:t>
+            </a:r>
+            <a:r>
+              <a:rPr lang="en-US" altLang="zh-CN" dirty="0">
+                <a:latin typeface="华文新魏" pitchFamily="2" charset="-122"/>
+                <a:ea typeface="华文新魏" pitchFamily="2" charset="-122"/>
+              </a:rPr>
+              <a:t>568A</a:t>
+            </a:r>
+            <a:r>
+              <a:rPr lang="zh-CN" altLang="en-US" dirty="0">
+                <a:latin typeface="华文新魏" pitchFamily="2" charset="-122"/>
+                <a:ea typeface="华文新魏" pitchFamily="2" charset="-122"/>
+              </a:rPr>
+              <a:t>或</a:t>
+            </a:r>
+            <a:r>
+              <a:rPr lang="en-US" altLang="zh-CN" dirty="0">
+                <a:latin typeface="华文新魏" pitchFamily="2" charset="-122"/>
+                <a:ea typeface="华文新魏" pitchFamily="2" charset="-122"/>
+              </a:rPr>
+              <a:t>568B</a:t>
+            </a:r>
+            <a:r>
+              <a:rPr lang="zh-CN" altLang="en-US" dirty="0">
+                <a:latin typeface="华文新魏" pitchFamily="2" charset="-122"/>
+                <a:ea typeface="华文新魏" pitchFamily="2" charset="-122"/>
+              </a:rPr>
+              <a:t>标准</a:t>
+            </a:r>
+          </a:p>
+          <a:p>
+            <a:pPr lvl="1"/>
+            <a:r>
+              <a:rPr lang="zh-CN" altLang="en-US" dirty="0">
+                <a:latin typeface="华文新魏" pitchFamily="2" charset="-122"/>
+                <a:ea typeface="华文新魏" pitchFamily="2" charset="-122"/>
+              </a:rPr>
+              <a:t>例如，交换机连接计算机网卡</a:t>
+            </a:r>
+          </a:p>
+          <a:p>
+            <a:r>
+              <a:rPr lang="zh-CN" altLang="en-US" dirty="0">
+                <a:latin typeface="华文新魏" pitchFamily="2" charset="-122"/>
+                <a:ea typeface="华文新魏" pitchFamily="2" charset="-122"/>
+              </a:rPr>
+              <a:t>交叉线缆：水晶头一端遵循</a:t>
+            </a:r>
+            <a:r>
+              <a:rPr lang="en-US" altLang="zh-CN" dirty="0">
+                <a:latin typeface="华文新魏" pitchFamily="2" charset="-122"/>
+                <a:ea typeface="华文新魏" pitchFamily="2" charset="-122"/>
+              </a:rPr>
+              <a:t>568A</a:t>
+            </a:r>
+            <a:r>
+              <a:rPr lang="zh-CN" altLang="en-US" dirty="0">
+                <a:latin typeface="华文新魏" pitchFamily="2" charset="-122"/>
+                <a:ea typeface="华文新魏" pitchFamily="2" charset="-122"/>
+              </a:rPr>
+              <a:t>，另一端遵循</a:t>
+            </a:r>
+            <a:r>
+              <a:rPr lang="en-US" altLang="zh-CN" dirty="0">
+                <a:latin typeface="华文新魏" pitchFamily="2" charset="-122"/>
+                <a:ea typeface="华文新魏" pitchFamily="2" charset="-122"/>
+              </a:rPr>
+              <a:t>568B</a:t>
+            </a:r>
+            <a:r>
+              <a:rPr lang="zh-CN" altLang="en-US" dirty="0">
+                <a:latin typeface="华文新魏" pitchFamily="2" charset="-122"/>
+                <a:ea typeface="华文新魏" pitchFamily="2" charset="-122"/>
+              </a:rPr>
+              <a:t>标准</a:t>
+            </a:r>
+          </a:p>
+          <a:p>
+            <a:pPr lvl="1"/>
+            <a:r>
+              <a:rPr lang="zh-CN" altLang="en-US" dirty="0">
+                <a:latin typeface="华文新魏" pitchFamily="2" charset="-122"/>
+                <a:ea typeface="华文新魏" pitchFamily="2" charset="-122"/>
+              </a:rPr>
+              <a:t>例如，计算机网卡连接计算机网卡</a:t>
+            </a:r>
+          </a:p>
+          <a:p>
+            <a:endParaRPr lang="zh-CN" altLang="en-US" dirty="0"/>
+          </a:p>
+        </p:txBody>
+      </p:sp>
+      <p:pic>
+        <p:nvPicPr>
+          <p:cNvPr id="4" name="Picture 6" descr="线序"/>
+          <p:cNvPicPr>
+            <a:picLocks noChangeAspect="1" noChangeArrowheads="1"/>
+          </p:cNvPicPr>
+          <p:nvPr/>
+        </p:nvPicPr>
+        <p:blipFill>
+          <a:blip r:embed="rId2">
+            <a:extLst>
+              <a:ext uri="{28A0092B-C50C-407E-A947-70E740481C1C}">
+                <a14:useLocalDpi xmlns:a14="http://schemas.microsoft.com/office/drawing/2010/main" val="0"/>
+              </a:ext>
+            </a:extLst>
+          </a:blip>
+          <a:srcRect/>
+          <a:stretch>
+            <a:fillRect/>
+          </a:stretch>
+        </p:blipFill>
+        <p:spPr bwMode="auto">
+          <a:xfrm>
+            <a:off x="539552" y="3861941"/>
+            <a:ext cx="7452320" cy="2543622"/>
+          </a:xfrm>
+          <a:prstGeom prst="rect">
+            <a:avLst/>
+          </a:prstGeom>
+          <a:noFill/>
+          <a:ln>
+            <a:noFill/>
+          </a:ln>
+          <a:extLst>
+            <a:ext uri="{909E8E84-426E-40DD-AFC4-6F175D3DCCD1}">
+              <a14:hiddenFill xmlns:a14="http://schemas.microsoft.com/office/drawing/2010/main">
+                <a:solidFill>
+                  <a:srgbClr val="FFFFFF"/>
+                </a:solidFill>
+              </a14:hiddenFill>
+            </a:ext>
+            <a:ext uri="{91240B29-F687-4F45-9708-019B960494DF}">
+              <a14:hiddenLine xmlns:a14="http://schemas.microsoft.com/office/drawing/2010/main" w="9525">
+                <a:solidFill>
+                  <a:srgbClr val="000000"/>
+                </a:solidFill>
+                <a:miter lim="800000"/>
+                <a:headEnd/>
+                <a:tailEnd/>
+              </a14:hiddenLine>
+            </a:ext>
+          </a:extLst>
+        </p:spPr>
+      </p:pic>
+    </p:spTree>
+    <p:extLst>
+      <p:ext uri="{BB962C8B-B14F-4D97-AF65-F5344CB8AC3E}">
+        <p14:creationId xmlns:p14="http://schemas.microsoft.com/office/powerpoint/2010/main" val="1950102391"/>
+      </p:ext>
+    </p:extLst>
+  </p:cSld>
+  <p:clrMapOvr>
+    <a:masterClrMapping/>
+  </p:clrMapOvr>
+  <p:timing>
+    <p:tnLst>
+      <p:par>
+        <p:cTn id="1" dur="indefinite" restart="never" nodeType="tmRoot">
+          <p:childTnLst>
+            <p:seq concurrent="1" nextAc="seek">
+              <p:cTn id="2" dur="indefinite" nodeType="mainSeq">
+                <p:childTnLst>
+                  <p:par>
+                    <p:cTn id="3" fill="hold">
+                      <p:stCondLst>
+                        <p:cond delay="indefinite"/>
+                      </p:stCondLst>
+                      <p:childTnLst>
+                        <p:par>
+                          <p:cTn id="4" fill="hold">
+                            <p:stCondLst>
+                              <p:cond delay="0"/>
+                            </p:stCondLst>
+                            <p:childTnLst>
+                              <p:par>
+                                <p:cTn id="5" presetID="23" presetClass="entr" presetSubtype="16" fill="hold" nodeType="clickEffect">
+                                  <p:stCondLst>
+                                    <p:cond delay="0"/>
+                                  </p:stCondLst>
+                                  <p:childTnLst>
+                                    <p:set>
+                                      <p:cBhvr>
+                                        <p:cTn id="6" dur="1" fill="hold">
+                                          <p:stCondLst>
+                                            <p:cond delay="0"/>
+                                          </p:stCondLst>
+                                        </p:cTn>
+                                        <p:tgtEl>
+                                          <p:spTgt spid="4"/>
+                                        </p:tgtEl>
+                                        <p:attrNameLst>
+                                          <p:attrName>style.visibility</p:attrName>
+                                        </p:attrNameLst>
+                                      </p:cBhvr>
+                                      <p:to>
+                                        <p:strVal val="visible"/>
+                                      </p:to>
+                                    </p:set>
+                                    <p:anim calcmode="lin" valueType="num">
+                                      <p:cBhvr>
+                                        <p:cTn id="7" dur="500" fill="hold"/>
+                                        <p:tgtEl>
+                                          <p:spTgt spid="4"/>
+                                        </p:tgtEl>
+                                        <p:attrNameLst>
+                                          <p:attrName>ppt_w</p:attrName>
+                                        </p:attrNameLst>
+                                      </p:cBhvr>
+                                      <p:tavLst>
+                                        <p:tav tm="0">
+                                          <p:val>
+                                            <p:fltVal val="0"/>
+                                          </p:val>
+                                        </p:tav>
+                                        <p:tav tm="100000">
+                                          <p:val>
+                                            <p:strVal val="#ppt_w"/>
+                                          </p:val>
+                                        </p:tav>
+                                      </p:tavLst>
+                                    </p:anim>
+                                    <p:anim calcmode="lin" valueType="num">
+                                      <p:cBhvr>
+                                        <p:cTn id="8" dur="500" fill="hold"/>
+                                        <p:tgtEl>
+                                          <p:spTgt spid="4"/>
+                                        </p:tgtEl>
+                                        <p:attrNameLst>
+                                          <p:attrName>ppt_h</p:attrName>
+                                        </p:attrNameLst>
+                                      </p:cBhvr>
+                                      <p:tavLst>
+                                        <p:tav tm="0">
+                                          <p:val>
+                                            <p:fltVal val="0"/>
+                                          </p:val>
+                                        </p:tav>
+                                        <p:tav tm="100000">
+                                          <p:val>
+                                            <p:strVal val="#ppt_h"/>
+                                          </p:val>
+                                        </p:tav>
+                                      </p:tavLst>
+                                    </p:anim>
+                                  </p:childTnLst>
+                                </p:cTn>
+                              </p:par>
+                            </p:childTnLst>
+                          </p:cTn>
+                        </p:par>
+                      </p:childTnLst>
+                    </p:cTn>
+                  </p:par>
+                </p:childTnLst>
+              </p:cTn>
+              <p:prevCondLst>
+                <p:cond evt="onPrev" delay="0">
+                  <p:tgtEl>
+                    <p:sldTgt/>
+                  </p:tgtEl>
+                </p:cond>
+              </p:prevCondLst>
+              <p:nextCondLst>
+                <p:cond evt="onNext" delay="0">
+                  <p:tgtEl>
+                    <p:sldTgt/>
+                  </p:tgtEl>
+                </p:cond>
+              </p:nextCondLst>
+            </p:seq>
+          </p:childTnLst>
+        </p:cTn>
+      </p:par>
+    </p:tnLst>
+  </p:timing>
+</p:sld>
+</file>
+
 <file path=ppt/slides/slide2.xml><?xml version="1.0" encoding="utf-8"?>
 <p:sld xmlns:a="http://schemas.openxmlformats.org/drawingml/2006/main" xmlns:r="http://schemas.openxmlformats.org/officeDocument/2006/relationships" xmlns:p="http://schemas.openxmlformats.org/presentationml/2006/main">
   <p:cSld>
@@ -5625,7 +7034,7 @@
             <a:graphicData uri="http://schemas.openxmlformats.org/presentationml/2006/ole">
               <mc:AlternateContent xmlns:mc="http://schemas.openxmlformats.org/markup-compatibility/2006">
                 <mc:Choice xmlns:v="urn:schemas-microsoft-com:vml" Requires="v">
-                  <p:oleObj spid="_x0000_s1027" r:id="rId3" imgW="6252058" imgH="3964838" progId="Visio.Drawing.11">
+                  <p:oleObj spid="_x0000_s1028" r:id="rId3" imgW="6252058" imgH="3964838" progId="Visio.Drawing.11">
                     <p:embed/>
                   </p:oleObj>
                 </mc:Choice>

--- a/第六章 计算机网络.pptx
+++ b/第六章 计算机网络.pptx
@@ -24,6 +24,12 @@
     <p:sldId id="273" r:id="rId18"/>
     <p:sldId id="271" r:id="rId19"/>
     <p:sldId id="274" r:id="rId20"/>
+    <p:sldId id="275" r:id="rId21"/>
+    <p:sldId id="276" r:id="rId22"/>
+    <p:sldId id="279" r:id="rId23"/>
+    <p:sldId id="277" r:id="rId24"/>
+    <p:sldId id="278" r:id="rId25"/>
+    <p:sldId id="280" r:id="rId26"/>
   </p:sldIdLst>
   <p:sldSz cx="9144000" cy="6858000" type="screen4x3"/>
   <p:notesSz cx="6858000" cy="9144000"/>
@@ -3281,7 +3287,7 @@
               <a:graphicData uri="http://schemas.openxmlformats.org/presentationml/2006/ole">
                 <mc:AlternateContent xmlns:mc="http://schemas.openxmlformats.org/markup-compatibility/2006">
                   <mc:Choice xmlns:v="urn:schemas-microsoft-com:vml" Requires="v">
-                    <p:oleObj spid="_x0000_s2052" r:id="rId3" imgW="4753661" imgH="4484827" progId="Visio.Drawing.11">
+                    <p:oleObj spid="_x0000_s2054" r:id="rId3" imgW="4753661" imgH="4484827" progId="Visio.Drawing.11">
                       <p:embed/>
                     </p:oleObj>
                   </mc:Choice>
@@ -3649,7 +3655,7 @@
             <a:graphicData uri="http://schemas.openxmlformats.org/presentationml/2006/ole">
               <mc:AlternateContent xmlns:mc="http://schemas.openxmlformats.org/markup-compatibility/2006">
                 <mc:Choice xmlns:v="urn:schemas-microsoft-com:vml" Requires="v">
-                  <p:oleObj spid="_x0000_s3076" r:id="rId3" imgW="4591812" imgH="4304690" progId="Visio.Drawing.11">
+                  <p:oleObj spid="_x0000_s3078" r:id="rId3" imgW="4591812" imgH="4304690" progId="Visio.Drawing.11">
                     <p:embed/>
                   </p:oleObj>
                 </mc:Choice>
@@ -4031,7 +4037,7 @@
             <a:graphicData uri="http://schemas.openxmlformats.org/presentationml/2006/ole">
               <mc:AlternateContent xmlns:mc="http://schemas.openxmlformats.org/markup-compatibility/2006">
                 <mc:Choice xmlns:v="urn:schemas-microsoft-com:vml" Requires="v">
-                  <p:oleObj spid="_x0000_s4101" r:id="rId3" imgW="4404970" imgH="3908755" progId="Visio.Drawing.11">
+                  <p:oleObj spid="_x0000_s4103" r:id="rId3" imgW="4404970" imgH="3908755" progId="Visio.Drawing.11">
                     <p:embed/>
                   </p:oleObj>
                 </mc:Choice>
@@ -6152,6 +6158,1005 @@
 </p:sld>
 </file>
 
+<file path=ppt/slides/slide20.xml><?xml version="1.0" encoding="utf-8"?>
+<p:sld xmlns:a="http://schemas.openxmlformats.org/drawingml/2006/main" xmlns:r="http://schemas.openxmlformats.org/officeDocument/2006/relationships" xmlns:p="http://schemas.openxmlformats.org/presentationml/2006/main">
+  <p:cSld>
+    <p:spTree>
+      <p:nvGrpSpPr>
+        <p:cNvPr id="1" name=""/>
+        <p:cNvGrpSpPr/>
+        <p:nvPr/>
+      </p:nvGrpSpPr>
+      <p:grpSpPr>
+        <a:xfrm>
+          <a:off x="0" y="0"/>
+          <a:ext cx="0" cy="0"/>
+          <a:chOff x="0" y="0"/>
+          <a:chExt cx="0" cy="0"/>
+        </a:xfrm>
+      </p:grpSpPr>
+      <p:sp>
+        <p:nvSpPr>
+          <p:cNvPr id="2" name="标题 1"/>
+          <p:cNvSpPr>
+            <a:spLocks noGrp="1"/>
+          </p:cNvSpPr>
+          <p:nvPr>
+            <p:ph type="title"/>
+          </p:nvPr>
+        </p:nvSpPr>
+        <p:spPr/>
+        <p:txBody>
+          <a:bodyPr/>
+          <a:lstStyle/>
+          <a:p>
+            <a:r>
+              <a:rPr lang="zh-CN" altLang="en-US" dirty="0" smtClean="0"/>
+              <a:t>同轴电缆</a:t>
+            </a:r>
+            <a:endParaRPr lang="zh-CN" altLang="en-US" dirty="0"/>
+          </a:p>
+        </p:txBody>
+      </p:sp>
+      <p:sp>
+        <p:nvSpPr>
+          <p:cNvPr id="3" name="内容占位符 2"/>
+          <p:cNvSpPr>
+            <a:spLocks noGrp="1"/>
+          </p:cNvSpPr>
+          <p:nvPr>
+            <p:ph idx="1"/>
+          </p:nvPr>
+        </p:nvSpPr>
+        <p:spPr/>
+        <p:txBody>
+          <a:bodyPr/>
+          <a:lstStyle/>
+          <a:p>
+            <a:r>
+              <a:rPr lang="zh-CN" altLang="en-US" dirty="0" smtClean="0"/>
+              <a:t>同轴电缆由导体铜质芯线、绝缘层、网状编制的外导体屏蔽层以及保护塑料外层所组成。</a:t>
+            </a:r>
+            <a:endParaRPr lang="en-US" altLang="zh-CN" dirty="0" smtClean="0"/>
+          </a:p>
+          <a:p>
+            <a:r>
+              <a:rPr lang="zh-CN" altLang="en-US" dirty="0" smtClean="0"/>
+              <a:t>由于外导体屏蔽层的作用，同轴电缆具有很好的抗干扰特性</a:t>
+            </a:r>
+            <a:endParaRPr lang="zh-CN" altLang="en-US" dirty="0"/>
+          </a:p>
+        </p:txBody>
+      </p:sp>
+    </p:spTree>
+    <p:extLst>
+      <p:ext uri="{BB962C8B-B14F-4D97-AF65-F5344CB8AC3E}">
+        <p14:creationId xmlns:p14="http://schemas.microsoft.com/office/powerpoint/2010/main" val="2990395187"/>
+      </p:ext>
+    </p:extLst>
+  </p:cSld>
+  <p:clrMapOvr>
+    <a:masterClrMapping/>
+  </p:clrMapOvr>
+</p:sld>
+</file>
+
+<file path=ppt/slides/slide21.xml><?xml version="1.0" encoding="utf-8"?>
+<p:sld xmlns:a="http://schemas.openxmlformats.org/drawingml/2006/main" xmlns:r="http://schemas.openxmlformats.org/officeDocument/2006/relationships" xmlns:p="http://schemas.openxmlformats.org/presentationml/2006/main">
+  <p:cSld>
+    <p:spTree>
+      <p:nvGrpSpPr>
+        <p:cNvPr id="1" name=""/>
+        <p:cNvGrpSpPr/>
+        <p:nvPr/>
+      </p:nvGrpSpPr>
+      <p:grpSpPr>
+        <a:xfrm>
+          <a:off x="0" y="0"/>
+          <a:ext cx="0" cy="0"/>
+          <a:chOff x="0" y="0"/>
+          <a:chExt cx="0" cy="0"/>
+        </a:xfrm>
+      </p:grpSpPr>
+      <p:sp>
+        <p:nvSpPr>
+          <p:cNvPr id="2" name="标题 1"/>
+          <p:cNvSpPr>
+            <a:spLocks noGrp="1"/>
+          </p:cNvSpPr>
+          <p:nvPr>
+            <p:ph type="title"/>
+          </p:nvPr>
+        </p:nvSpPr>
+        <p:spPr/>
+        <p:txBody>
+          <a:bodyPr/>
+          <a:lstStyle/>
+          <a:p>
+            <a:r>
+              <a:rPr lang="zh-CN" altLang="en-US" dirty="0"/>
+              <a:t>光缆</a:t>
+            </a:r>
+          </a:p>
+        </p:txBody>
+      </p:sp>
+      <p:sp>
+        <p:nvSpPr>
+          <p:cNvPr id="3" name="内容占位符 2"/>
+          <p:cNvSpPr>
+            <a:spLocks noGrp="1"/>
+          </p:cNvSpPr>
+          <p:nvPr>
+            <p:ph idx="1"/>
+          </p:nvPr>
+        </p:nvSpPr>
+        <p:spPr>
+          <a:xfrm>
+            <a:off x="457200" y="1600201"/>
+            <a:ext cx="8291264" cy="2476872"/>
+          </a:xfrm>
+        </p:spPr>
+        <p:txBody>
+          <a:bodyPr/>
+          <a:lstStyle/>
+          <a:p>
+            <a:pPr>
+              <a:lnSpc>
+                <a:spcPct val="110000"/>
+              </a:lnSpc>
+              <a:buClr>
+                <a:srgbClr val="FF3300"/>
+              </a:buClr>
+              <a:buSzPct val="80000"/>
+              <a:buFont typeface="Wingdings" pitchFamily="2" charset="2"/>
+              <a:buChar char="l"/>
+            </a:pPr>
+            <a:r>
+              <a:rPr lang="zh-CN" altLang="en-US" dirty="0">
+                <a:latin typeface="华文新魏" pitchFamily="2" charset="-122"/>
+                <a:ea typeface="华文新魏" pitchFamily="2" charset="-122"/>
+              </a:rPr>
+              <a:t>光纤：光导纤维的简写，是一种利用光在玻璃或塑料制成的纤维中的</a:t>
+            </a:r>
+            <a:r>
+              <a:rPr lang="zh-CN" altLang="en-US" dirty="0">
+                <a:solidFill>
+                  <a:srgbClr val="FF3300"/>
+                </a:solidFill>
+                <a:latin typeface="华文新魏" pitchFamily="2" charset="-122"/>
+                <a:ea typeface="华文新魏" pitchFamily="2" charset="-122"/>
+              </a:rPr>
+              <a:t>全反射原理</a:t>
+            </a:r>
+            <a:r>
+              <a:rPr lang="zh-CN" altLang="en-US" dirty="0">
+                <a:latin typeface="华文新魏" pitchFamily="2" charset="-122"/>
+                <a:ea typeface="华文新魏" pitchFamily="2" charset="-122"/>
+              </a:rPr>
+              <a:t>而达成的光传导工具。</a:t>
+            </a:r>
+          </a:p>
+          <a:p>
+            <a:pPr>
+              <a:lnSpc>
+                <a:spcPct val="110000"/>
+              </a:lnSpc>
+              <a:buClr>
+                <a:srgbClr val="FF3300"/>
+              </a:buClr>
+              <a:buSzPct val="80000"/>
+              <a:buFont typeface="Wingdings" pitchFamily="2" charset="2"/>
+              <a:buChar char="l"/>
+            </a:pPr>
+            <a:r>
+              <a:rPr lang="zh-CN" altLang="en-US" dirty="0">
+                <a:latin typeface="华文新魏" pitchFamily="2" charset="-122"/>
+                <a:ea typeface="华文新魏" pitchFamily="2" charset="-122"/>
+              </a:rPr>
+              <a:t>光导纤维由前香港中文大学校长</a:t>
+            </a:r>
+            <a:r>
+              <a:rPr lang="zh-CN" altLang="en-US" dirty="0">
+                <a:solidFill>
+                  <a:srgbClr val="FF3300"/>
+                </a:solidFill>
+                <a:latin typeface="华文新魏" pitchFamily="2" charset="-122"/>
+                <a:ea typeface="华文新魏" pitchFamily="2" charset="-122"/>
+              </a:rPr>
+              <a:t>高锟</a:t>
+            </a:r>
+            <a:r>
+              <a:rPr lang="zh-CN" altLang="en-US" dirty="0">
+                <a:latin typeface="华文新魏" pitchFamily="2" charset="-122"/>
+                <a:ea typeface="华文新魏" pitchFamily="2" charset="-122"/>
+              </a:rPr>
+              <a:t>提出。 </a:t>
+            </a:r>
+          </a:p>
+          <a:p>
+            <a:endParaRPr lang="zh-CN" altLang="en-US" dirty="0"/>
+          </a:p>
+        </p:txBody>
+      </p:sp>
+      <p:pic>
+        <p:nvPicPr>
+          <p:cNvPr id="4" name="Picture 5" descr="ll4"/>
+          <p:cNvPicPr>
+            <a:picLocks noChangeAspect="1" noChangeArrowheads="1"/>
+          </p:cNvPicPr>
+          <p:nvPr/>
+        </p:nvPicPr>
+        <p:blipFill>
+          <a:blip r:embed="rId2">
+            <a:extLst>
+              <a:ext uri="{28A0092B-C50C-407E-A947-70E740481C1C}">
+                <a14:useLocalDpi xmlns:a14="http://schemas.microsoft.com/office/drawing/2010/main" val="0"/>
+              </a:ext>
+            </a:extLst>
+          </a:blip>
+          <a:srcRect/>
+          <a:stretch>
+            <a:fillRect/>
+          </a:stretch>
+        </p:blipFill>
+        <p:spPr bwMode="auto">
+          <a:xfrm>
+            <a:off x="1475656" y="4145560"/>
+            <a:ext cx="5328592" cy="2211211"/>
+          </a:xfrm>
+          <a:prstGeom prst="rect">
+            <a:avLst/>
+          </a:prstGeom>
+          <a:noFill/>
+          <a:ln>
+            <a:noFill/>
+          </a:ln>
+          <a:extLst>
+            <a:ext uri="{909E8E84-426E-40DD-AFC4-6F175D3DCCD1}">
+              <a14:hiddenFill xmlns:a14="http://schemas.microsoft.com/office/drawing/2010/main">
+                <a:solidFill>
+                  <a:srgbClr val="FFFFFF"/>
+                </a:solidFill>
+              </a14:hiddenFill>
+            </a:ext>
+            <a:ext uri="{91240B29-F687-4F45-9708-019B960494DF}">
+              <a14:hiddenLine xmlns:a14="http://schemas.microsoft.com/office/drawing/2010/main" w="9525">
+                <a:solidFill>
+                  <a:srgbClr val="000000"/>
+                </a:solidFill>
+                <a:miter lim="800000"/>
+                <a:headEnd/>
+                <a:tailEnd/>
+              </a14:hiddenLine>
+            </a:ext>
+          </a:extLst>
+        </p:spPr>
+      </p:pic>
+    </p:spTree>
+    <p:extLst>
+      <p:ext uri="{BB962C8B-B14F-4D97-AF65-F5344CB8AC3E}">
+        <p14:creationId xmlns:p14="http://schemas.microsoft.com/office/powerpoint/2010/main" val="4102109450"/>
+      </p:ext>
+    </p:extLst>
+  </p:cSld>
+  <p:clrMapOvr>
+    <a:masterClrMapping/>
+  </p:clrMapOvr>
+</p:sld>
+</file>
+
+<file path=ppt/slides/slide22.xml><?xml version="1.0" encoding="utf-8"?>
+<p:sld xmlns:a="http://schemas.openxmlformats.org/drawingml/2006/main" xmlns:r="http://schemas.openxmlformats.org/officeDocument/2006/relationships" xmlns:p="http://schemas.openxmlformats.org/presentationml/2006/main">
+  <p:cSld>
+    <p:spTree>
+      <p:nvGrpSpPr>
+        <p:cNvPr id="1" name=""/>
+        <p:cNvGrpSpPr/>
+        <p:nvPr/>
+      </p:nvGrpSpPr>
+      <p:grpSpPr>
+        <a:xfrm>
+          <a:off x="0" y="0"/>
+          <a:ext cx="0" cy="0"/>
+          <a:chOff x="0" y="0"/>
+          <a:chExt cx="0" cy="0"/>
+        </a:xfrm>
+      </p:grpSpPr>
+      <p:sp>
+        <p:nvSpPr>
+          <p:cNvPr id="2" name="标题 1"/>
+          <p:cNvSpPr>
+            <a:spLocks noGrp="1"/>
+          </p:cNvSpPr>
+          <p:nvPr>
+            <p:ph type="title"/>
+          </p:nvPr>
+        </p:nvSpPr>
+        <p:spPr/>
+        <p:txBody>
+          <a:bodyPr/>
+          <a:lstStyle/>
+          <a:p>
+            <a:r>
+              <a:rPr lang="zh-CN" altLang="en-US" dirty="0"/>
+              <a:t>网卡（网络适配器）</a:t>
+            </a:r>
+          </a:p>
+        </p:txBody>
+      </p:sp>
+      <p:sp>
+        <p:nvSpPr>
+          <p:cNvPr id="3" name="内容占位符 2"/>
+          <p:cNvSpPr>
+            <a:spLocks noGrp="1"/>
+          </p:cNvSpPr>
+          <p:nvPr>
+            <p:ph idx="1"/>
+          </p:nvPr>
+        </p:nvSpPr>
+        <p:spPr/>
+        <p:txBody>
+          <a:bodyPr/>
+          <a:lstStyle/>
+          <a:p>
+            <a:pPr>
+              <a:lnSpc>
+                <a:spcPct val="110000"/>
+              </a:lnSpc>
+            </a:pPr>
+            <a:r>
+              <a:rPr lang="zh-CN" altLang="en-US" sz="2400" dirty="0">
+                <a:latin typeface="华文新魏" pitchFamily="2" charset="-122"/>
+                <a:ea typeface="华文新魏" pitchFamily="2" charset="-122"/>
+              </a:rPr>
+              <a:t>网卡</a:t>
+            </a:r>
+          </a:p>
+          <a:p>
+            <a:pPr lvl="1">
+              <a:lnSpc>
+                <a:spcPct val="115000"/>
+              </a:lnSpc>
+            </a:pPr>
+            <a:r>
+              <a:rPr lang="zh-CN" altLang="en-US" sz="2400" dirty="0">
+                <a:latin typeface="华文新魏" pitchFamily="2" charset="-122"/>
+                <a:ea typeface="华文新魏" pitchFamily="2" charset="-122"/>
+              </a:rPr>
+              <a:t>网络适配器或网络接口卡（ </a:t>
+            </a:r>
+            <a:r>
+              <a:rPr lang="en-US" altLang="zh-CN" sz="2400" dirty="0">
+                <a:latin typeface="华文新魏" pitchFamily="2" charset="-122"/>
+                <a:ea typeface="华文新魏" pitchFamily="2" charset="-122"/>
+              </a:rPr>
+              <a:t>Network Interface Card</a:t>
+            </a:r>
+            <a:r>
+              <a:rPr lang="zh-CN" altLang="en-US" sz="2400" dirty="0">
+                <a:latin typeface="华文新魏" pitchFamily="2" charset="-122"/>
+                <a:ea typeface="华文新魏" pitchFamily="2" charset="-122"/>
+              </a:rPr>
+              <a:t>）</a:t>
+            </a:r>
+          </a:p>
+          <a:p>
+            <a:pPr lvl="1">
+              <a:lnSpc>
+                <a:spcPct val="115000"/>
+              </a:lnSpc>
+            </a:pPr>
+            <a:r>
+              <a:rPr lang="zh-CN" altLang="en-US" sz="2400" dirty="0">
+                <a:latin typeface="华文新魏" pitchFamily="2" charset="-122"/>
+                <a:ea typeface="华文新魏" pitchFamily="2" charset="-122"/>
+              </a:rPr>
+              <a:t>它是使计算机联网的设备，将</a:t>
+            </a:r>
+            <a:r>
+              <a:rPr lang="en-US" altLang="zh-CN" sz="2400" dirty="0">
+                <a:latin typeface="华文新魏" pitchFamily="2" charset="-122"/>
+                <a:ea typeface="华文新魏" pitchFamily="2" charset="-122"/>
+              </a:rPr>
+              <a:t>PC</a:t>
+            </a:r>
+            <a:r>
+              <a:rPr lang="zh-CN" altLang="en-US" sz="2400" dirty="0">
+                <a:latin typeface="华文新魏" pitchFamily="2" charset="-122"/>
+                <a:ea typeface="华文新魏" pitchFamily="2" charset="-122"/>
+              </a:rPr>
+              <a:t>机和</a:t>
+            </a:r>
+            <a:r>
+              <a:rPr lang="en-US" altLang="zh-CN" sz="2400" dirty="0">
+                <a:latin typeface="华文新魏" pitchFamily="2" charset="-122"/>
+                <a:ea typeface="华文新魏" pitchFamily="2" charset="-122"/>
+              </a:rPr>
+              <a:t>LAN</a:t>
+            </a:r>
+            <a:r>
+              <a:rPr lang="zh-CN" altLang="en-US" sz="2400" dirty="0">
+                <a:latin typeface="华文新魏" pitchFamily="2" charset="-122"/>
+                <a:ea typeface="华文新魏" pitchFamily="2" charset="-122"/>
+              </a:rPr>
+              <a:t>连接的网络</a:t>
+            </a:r>
+            <a:r>
+              <a:rPr lang="zh-CN" altLang="en-US" sz="2400" dirty="0" smtClean="0">
+                <a:latin typeface="华文新魏" pitchFamily="2" charset="-122"/>
+                <a:ea typeface="华文新魏" pitchFamily="2" charset="-122"/>
+              </a:rPr>
+              <a:t>适配器</a:t>
+            </a:r>
+            <a:endParaRPr lang="en-US" altLang="zh-CN" sz="2400" dirty="0" smtClean="0">
+              <a:latin typeface="华文新魏" pitchFamily="2" charset="-122"/>
+              <a:ea typeface="华文新魏" pitchFamily="2" charset="-122"/>
+            </a:endParaRPr>
+          </a:p>
+          <a:p>
+            <a:pPr lvl="1">
+              <a:lnSpc>
+                <a:spcPct val="115000"/>
+              </a:lnSpc>
+            </a:pPr>
+            <a:r>
+              <a:rPr lang="zh-CN" altLang="en-US" sz="2400" dirty="0">
+                <a:latin typeface="华文新魏" pitchFamily="2" charset="-122"/>
+                <a:ea typeface="华文新魏" pitchFamily="2" charset="-122"/>
+              </a:rPr>
+              <a:t>每一</a:t>
+            </a:r>
+            <a:r>
+              <a:rPr lang="zh-CN" altLang="en-US" sz="2400" dirty="0" smtClean="0">
+                <a:latin typeface="华文新魏" pitchFamily="2" charset="-122"/>
+                <a:ea typeface="华文新魏" pitchFamily="2" charset="-122"/>
+              </a:rPr>
+              <a:t>个张网卡都有一个唯一的</a:t>
+            </a:r>
+            <a:r>
+              <a:rPr lang="en-US" altLang="zh-CN" sz="2400" dirty="0" smtClean="0">
+                <a:latin typeface="华文新魏" pitchFamily="2" charset="-122"/>
+                <a:ea typeface="华文新魏" pitchFamily="2" charset="-122"/>
+              </a:rPr>
+              <a:t>mac</a:t>
+            </a:r>
+            <a:r>
+              <a:rPr lang="zh-CN" altLang="en-US" sz="2400" dirty="0" smtClean="0">
+                <a:latin typeface="华文新魏" pitchFamily="2" charset="-122"/>
+                <a:ea typeface="华文新魏" pitchFamily="2" charset="-122"/>
+              </a:rPr>
+              <a:t>地址</a:t>
+            </a:r>
+            <a:endParaRPr lang="zh-CN" altLang="en-US" sz="2400" dirty="0">
+              <a:latin typeface="华文新魏" pitchFamily="2" charset="-122"/>
+              <a:ea typeface="华文新魏" pitchFamily="2" charset="-122"/>
+            </a:endParaRPr>
+          </a:p>
+          <a:p>
+            <a:pPr>
+              <a:lnSpc>
+                <a:spcPct val="110000"/>
+              </a:lnSpc>
+            </a:pPr>
+            <a:r>
+              <a:rPr lang="zh-CN" altLang="en-US" sz="2400" dirty="0">
+                <a:latin typeface="华文新魏" pitchFamily="2" charset="-122"/>
+                <a:ea typeface="华文新魏" pitchFamily="2" charset="-122"/>
+              </a:rPr>
+              <a:t>基本功能</a:t>
+            </a:r>
+          </a:p>
+          <a:p>
+            <a:pPr lvl="1">
+              <a:lnSpc>
+                <a:spcPct val="115000"/>
+              </a:lnSpc>
+            </a:pPr>
+            <a:r>
+              <a:rPr lang="zh-CN" altLang="en-US" sz="2400" dirty="0">
+                <a:latin typeface="华文新魏" pitchFamily="2" charset="-122"/>
+                <a:ea typeface="华文新魏" pitchFamily="2" charset="-122"/>
+              </a:rPr>
+              <a:t>读入其他网络设备发送来的数据包，进行拆包，将其转换成客户机可以识别的数据格式，然后传给</a:t>
+            </a:r>
+            <a:r>
+              <a:rPr lang="en-US" altLang="zh-CN" sz="2400" dirty="0">
+                <a:latin typeface="华文新魏" pitchFamily="2" charset="-122"/>
+                <a:ea typeface="华文新魏" pitchFamily="2" charset="-122"/>
+              </a:rPr>
+              <a:t>PC</a:t>
+            </a:r>
+            <a:r>
+              <a:rPr lang="zh-CN" altLang="en-US" sz="2400" dirty="0">
+                <a:latin typeface="华文新魏" pitchFamily="2" charset="-122"/>
+                <a:ea typeface="华文新魏" pitchFamily="2" charset="-122"/>
+              </a:rPr>
+              <a:t>设备；</a:t>
+            </a:r>
+          </a:p>
+          <a:p>
+            <a:pPr lvl="1">
+              <a:lnSpc>
+                <a:spcPct val="115000"/>
+              </a:lnSpc>
+            </a:pPr>
+            <a:r>
+              <a:rPr lang="zh-CN" altLang="en-US" sz="2400" dirty="0">
+                <a:latin typeface="华文新魏" pitchFamily="2" charset="-122"/>
+                <a:ea typeface="华文新魏" pitchFamily="2" charset="-122"/>
+              </a:rPr>
+              <a:t>将</a:t>
+            </a:r>
+            <a:r>
+              <a:rPr lang="en-US" altLang="zh-CN" sz="2400" dirty="0">
+                <a:latin typeface="华文新魏" pitchFamily="2" charset="-122"/>
+                <a:ea typeface="华文新魏" pitchFamily="2" charset="-122"/>
+              </a:rPr>
+              <a:t>PC</a:t>
+            </a:r>
+            <a:r>
+              <a:rPr lang="zh-CN" altLang="en-US" sz="2400" dirty="0">
+                <a:latin typeface="华文新魏" pitchFamily="2" charset="-122"/>
+                <a:ea typeface="华文新魏" pitchFamily="2" charset="-122"/>
+              </a:rPr>
+              <a:t>设备发送的数据打包，发送给其他网络设备</a:t>
+            </a:r>
+          </a:p>
+          <a:p>
+            <a:endParaRPr lang="zh-CN" altLang="en-US" dirty="0"/>
+          </a:p>
+        </p:txBody>
+      </p:sp>
+    </p:spTree>
+    <p:extLst>
+      <p:ext uri="{BB962C8B-B14F-4D97-AF65-F5344CB8AC3E}">
+        <p14:creationId xmlns:p14="http://schemas.microsoft.com/office/powerpoint/2010/main" val="2998939220"/>
+      </p:ext>
+    </p:extLst>
+  </p:cSld>
+  <p:clrMapOvr>
+    <a:masterClrMapping/>
+  </p:clrMapOvr>
+</p:sld>
+</file>
+
+<file path=ppt/slides/slide23.xml><?xml version="1.0" encoding="utf-8"?>
+<p:sld xmlns:a="http://schemas.openxmlformats.org/drawingml/2006/main" xmlns:r="http://schemas.openxmlformats.org/officeDocument/2006/relationships" xmlns:p="http://schemas.openxmlformats.org/presentationml/2006/main">
+  <p:cSld>
+    <p:spTree>
+      <p:nvGrpSpPr>
+        <p:cNvPr id="1" name=""/>
+        <p:cNvGrpSpPr/>
+        <p:nvPr/>
+      </p:nvGrpSpPr>
+      <p:grpSpPr>
+        <a:xfrm>
+          <a:off x="0" y="0"/>
+          <a:ext cx="0" cy="0"/>
+          <a:chOff x="0" y="0"/>
+          <a:chExt cx="0" cy="0"/>
+        </a:xfrm>
+      </p:grpSpPr>
+      <p:sp>
+        <p:nvSpPr>
+          <p:cNvPr id="2" name="标题 1"/>
+          <p:cNvSpPr>
+            <a:spLocks noGrp="1"/>
+          </p:cNvSpPr>
+          <p:nvPr>
+            <p:ph type="title"/>
+          </p:nvPr>
+        </p:nvSpPr>
+        <p:spPr/>
+        <p:txBody>
+          <a:bodyPr/>
+          <a:lstStyle/>
+          <a:p>
+            <a:r>
+              <a:rPr lang="zh-CN" altLang="en-US" dirty="0" smtClean="0"/>
+              <a:t>网络协议</a:t>
+            </a:r>
+            <a:endParaRPr lang="zh-CN" altLang="en-US" dirty="0"/>
+          </a:p>
+        </p:txBody>
+      </p:sp>
+      <p:sp>
+        <p:nvSpPr>
+          <p:cNvPr id="3" name="内容占位符 2"/>
+          <p:cNvSpPr>
+            <a:spLocks noGrp="1"/>
+          </p:cNvSpPr>
+          <p:nvPr>
+            <p:ph idx="1"/>
+          </p:nvPr>
+        </p:nvSpPr>
+        <p:spPr/>
+        <p:txBody>
+          <a:bodyPr>
+            <a:normAutofit fontScale="92500" lnSpcReduction="20000"/>
+          </a:bodyPr>
+          <a:lstStyle/>
+          <a:p>
+            <a:r>
+              <a:rPr lang="zh-CN" altLang="en-US" dirty="0" smtClean="0"/>
+              <a:t>计算机网络中要做到有条不紊的交换数据，就必须遵守一些事先约好的规则。这些规则明确规定了所交换的数据的格式以及有关的同步问题。这些为进行网络中的数据交换而建立的规则、标准或约定即称为网络协议</a:t>
+            </a:r>
+            <a:endParaRPr lang="en-US" altLang="zh-CN" dirty="0" smtClean="0"/>
+          </a:p>
+          <a:p>
+            <a:r>
+              <a:rPr lang="zh-CN" altLang="en-US" dirty="0" smtClean="0"/>
+              <a:t>网络协议主要协议三要素：</a:t>
+            </a:r>
+            <a:endParaRPr lang="en-US" altLang="zh-CN" dirty="0" smtClean="0"/>
+          </a:p>
+          <a:p>
+            <a:r>
+              <a:rPr lang="zh-CN" altLang="en-US" dirty="0" smtClean="0"/>
+              <a:t>语法，即数据与控制信息的结构或格式</a:t>
+            </a:r>
+            <a:endParaRPr lang="en-US" altLang="zh-CN" dirty="0" smtClean="0"/>
+          </a:p>
+          <a:p>
+            <a:r>
+              <a:rPr lang="zh-CN" altLang="en-US" dirty="0" smtClean="0"/>
+              <a:t>语义，即需要发出何种控制信息，完成何种动作以及做出何种响应。</a:t>
+            </a:r>
+            <a:endParaRPr lang="en-US" altLang="zh-CN" dirty="0" smtClean="0"/>
+          </a:p>
+          <a:p>
+            <a:r>
+              <a:rPr lang="zh-CN" altLang="en-US" dirty="0" smtClean="0"/>
+              <a:t>同步，即事件实现顺序的详细说明。</a:t>
+            </a:r>
+            <a:endParaRPr lang="zh-CN" altLang="en-US" dirty="0"/>
+          </a:p>
+        </p:txBody>
+      </p:sp>
+    </p:spTree>
+    <p:extLst>
+      <p:ext uri="{BB962C8B-B14F-4D97-AF65-F5344CB8AC3E}">
+        <p14:creationId xmlns:p14="http://schemas.microsoft.com/office/powerpoint/2010/main" val="1679304779"/>
+      </p:ext>
+    </p:extLst>
+  </p:cSld>
+  <p:clrMapOvr>
+    <a:masterClrMapping/>
+  </p:clrMapOvr>
+</p:sld>
+</file>
+
+<file path=ppt/slides/slide24.xml><?xml version="1.0" encoding="utf-8"?>
+<p:sld xmlns:a="http://schemas.openxmlformats.org/drawingml/2006/main" xmlns:r="http://schemas.openxmlformats.org/officeDocument/2006/relationships" xmlns:p="http://schemas.openxmlformats.org/presentationml/2006/main">
+  <p:cSld>
+    <p:spTree>
+      <p:nvGrpSpPr>
+        <p:cNvPr id="1" name=""/>
+        <p:cNvGrpSpPr/>
+        <p:nvPr/>
+      </p:nvGrpSpPr>
+      <p:grpSpPr>
+        <a:xfrm>
+          <a:off x="0" y="0"/>
+          <a:ext cx="0" cy="0"/>
+          <a:chOff x="0" y="0"/>
+          <a:chExt cx="0" cy="0"/>
+        </a:xfrm>
+      </p:grpSpPr>
+      <p:sp>
+        <p:nvSpPr>
+          <p:cNvPr id="2" name="标题 1"/>
+          <p:cNvSpPr>
+            <a:spLocks noGrp="1"/>
+          </p:cNvSpPr>
+          <p:nvPr>
+            <p:ph type="title"/>
+          </p:nvPr>
+        </p:nvSpPr>
+        <p:spPr/>
+        <p:txBody>
+          <a:bodyPr/>
+          <a:lstStyle/>
+          <a:p>
+            <a:r>
+              <a:rPr lang="zh-CN" altLang="en-US" dirty="0" smtClean="0"/>
+              <a:t>网络体系结构简介</a:t>
+            </a:r>
+            <a:endParaRPr lang="zh-CN" altLang="en-US" dirty="0"/>
+          </a:p>
+        </p:txBody>
+      </p:sp>
+      <p:sp>
+        <p:nvSpPr>
+          <p:cNvPr id="3" name="内容占位符 2"/>
+          <p:cNvSpPr>
+            <a:spLocks noGrp="1"/>
+          </p:cNvSpPr>
+          <p:nvPr>
+            <p:ph idx="1"/>
+          </p:nvPr>
+        </p:nvSpPr>
+        <p:spPr>
+          <a:xfrm>
+            <a:off x="457200" y="1600201"/>
+            <a:ext cx="8219256" cy="2116832"/>
+          </a:xfrm>
+        </p:spPr>
+        <p:txBody>
+          <a:bodyPr>
+            <a:normAutofit fontScale="70000" lnSpcReduction="20000"/>
+          </a:bodyPr>
+          <a:lstStyle/>
+          <a:p>
+            <a:r>
+              <a:rPr lang="zh-CN" altLang="en-US" dirty="0" smtClean="0"/>
+              <a:t>由于网络协议的复杂性，以及出于维护方面的考虑，研究和实现计算机网络时将其分为若干层次，每层的功能相对独立，通信双方的对等层之间必须遵循相同的协议。这种层次的划分以及各层的协议的集合叫做计算机网络体系结构。</a:t>
+            </a:r>
+            <a:endParaRPr lang="en-US" altLang="zh-CN" dirty="0" smtClean="0"/>
+          </a:p>
+          <a:p>
+            <a:r>
+              <a:rPr lang="en-US" altLang="zh-CN" dirty="0" smtClean="0"/>
+              <a:t>OSI</a:t>
+            </a:r>
+            <a:r>
+              <a:rPr lang="zh-CN" altLang="en-US" dirty="0" smtClean="0"/>
+              <a:t>和</a:t>
+            </a:r>
+            <a:r>
+              <a:rPr lang="en-US" altLang="zh-CN" dirty="0" smtClean="0"/>
+              <a:t>TCP/IP</a:t>
+            </a:r>
+            <a:r>
+              <a:rPr lang="zh-CN" altLang="en-US" dirty="0" smtClean="0"/>
+              <a:t>是目前最受关注的体系结构</a:t>
+            </a:r>
+            <a:endParaRPr lang="en-US" altLang="zh-CN" dirty="0" smtClean="0"/>
+          </a:p>
+          <a:p>
+            <a:r>
+              <a:rPr lang="en-US" altLang="zh-CN" dirty="0" smtClean="0"/>
+              <a:t>OSI</a:t>
+            </a:r>
+            <a:r>
+              <a:rPr lang="zh-CN" altLang="en-US" dirty="0" smtClean="0"/>
+              <a:t>是一个七层的结构，</a:t>
+            </a:r>
+            <a:r>
+              <a:rPr lang="en-US" altLang="zh-CN" dirty="0" smtClean="0"/>
+              <a:t>TCP/IP</a:t>
+            </a:r>
+            <a:r>
+              <a:rPr lang="zh-CN" altLang="en-US" dirty="0" smtClean="0"/>
+              <a:t>是一个四层的结构。</a:t>
+            </a:r>
+            <a:endParaRPr lang="zh-CN" altLang="en-US" dirty="0"/>
+          </a:p>
+        </p:txBody>
+      </p:sp>
+      <p:pic>
+        <p:nvPicPr>
+          <p:cNvPr id="4" name="图片 3"/>
+          <p:cNvPicPr>
+            <a:picLocks noChangeAspect="1"/>
+          </p:cNvPicPr>
+          <p:nvPr/>
+        </p:nvPicPr>
+        <p:blipFill>
+          <a:blip r:embed="rId2">
+            <a:extLst>
+              <a:ext uri="{28A0092B-C50C-407E-A947-70E740481C1C}">
+                <a14:useLocalDpi xmlns:a14="http://schemas.microsoft.com/office/drawing/2010/main" val="0"/>
+              </a:ext>
+            </a:extLst>
+          </a:blip>
+          <a:stretch>
+            <a:fillRect/>
+          </a:stretch>
+        </p:blipFill>
+        <p:spPr>
+          <a:xfrm>
+            <a:off x="2483768" y="3861048"/>
+            <a:ext cx="3780952" cy="2742857"/>
+          </a:xfrm>
+          <a:prstGeom prst="rect">
+            <a:avLst/>
+          </a:prstGeom>
+        </p:spPr>
+      </p:pic>
+    </p:spTree>
+    <p:extLst>
+      <p:ext uri="{BB962C8B-B14F-4D97-AF65-F5344CB8AC3E}">
+        <p14:creationId xmlns:p14="http://schemas.microsoft.com/office/powerpoint/2010/main" val="3648912788"/>
+      </p:ext>
+    </p:extLst>
+  </p:cSld>
+  <p:clrMapOvr>
+    <a:masterClrMapping/>
+  </p:clrMapOvr>
+</p:sld>
+</file>
+
+<file path=ppt/slides/slide25.xml><?xml version="1.0" encoding="utf-8"?>
+<p:sld xmlns:a="http://schemas.openxmlformats.org/drawingml/2006/main" xmlns:r="http://schemas.openxmlformats.org/officeDocument/2006/relationships" xmlns:p="http://schemas.openxmlformats.org/presentationml/2006/main">
+  <p:cSld>
+    <p:spTree>
+      <p:nvGrpSpPr>
+        <p:cNvPr id="1" name=""/>
+        <p:cNvGrpSpPr/>
+        <p:nvPr/>
+      </p:nvGrpSpPr>
+      <p:grpSpPr>
+        <a:xfrm>
+          <a:off x="0" y="0"/>
+          <a:ext cx="0" cy="0"/>
+          <a:chOff x="0" y="0"/>
+          <a:chExt cx="0" cy="0"/>
+        </a:xfrm>
+      </p:grpSpPr>
+      <p:sp>
+        <p:nvSpPr>
+          <p:cNvPr id="2" name="标题 1"/>
+          <p:cNvSpPr>
+            <a:spLocks noGrp="1"/>
+          </p:cNvSpPr>
+          <p:nvPr>
+            <p:ph type="title"/>
+          </p:nvPr>
+        </p:nvSpPr>
+        <p:spPr/>
+        <p:txBody>
+          <a:bodyPr/>
+          <a:lstStyle/>
+          <a:p>
+            <a:r>
+              <a:rPr lang="en-US" altLang="zh-CN" dirty="0" smtClean="0"/>
+              <a:t>TCP/IP</a:t>
+            </a:r>
+            <a:r>
+              <a:rPr lang="zh-CN" altLang="en-US" dirty="0" smtClean="0"/>
+              <a:t>简介</a:t>
+            </a:r>
+            <a:endParaRPr lang="zh-CN" altLang="en-US" dirty="0"/>
+          </a:p>
+        </p:txBody>
+      </p:sp>
+      <p:sp>
+        <p:nvSpPr>
+          <p:cNvPr id="3" name="内容占位符 2"/>
+          <p:cNvSpPr>
+            <a:spLocks noGrp="1"/>
+          </p:cNvSpPr>
+          <p:nvPr>
+            <p:ph idx="1"/>
+          </p:nvPr>
+        </p:nvSpPr>
+        <p:spPr/>
+        <p:txBody>
+          <a:bodyPr>
+            <a:normAutofit fontScale="92500" lnSpcReduction="20000"/>
+          </a:bodyPr>
+          <a:lstStyle/>
+          <a:p>
+            <a:r>
+              <a:rPr lang="en-US" altLang="zh-CN" dirty="0" smtClean="0"/>
+              <a:t>TCP/IP</a:t>
+            </a:r>
+            <a:r>
+              <a:rPr lang="zh-CN" altLang="en-US" dirty="0" smtClean="0"/>
+              <a:t>是目前最完整、最被普遍接受的</a:t>
+            </a:r>
+            <a:r>
+              <a:rPr lang="en-US" altLang="zh-CN" dirty="0" smtClean="0"/>
+              <a:t>Internet</a:t>
+            </a:r>
+            <a:r>
+              <a:rPr lang="zh-CN" altLang="en-US" dirty="0" smtClean="0"/>
+              <a:t>通信协议标准。</a:t>
+            </a:r>
+            <a:endParaRPr lang="en-US" altLang="zh-CN" dirty="0" smtClean="0"/>
+          </a:p>
+          <a:p>
+            <a:r>
+              <a:rPr lang="en-US" altLang="zh-CN" dirty="0" smtClean="0"/>
+              <a:t>TCP/IP</a:t>
+            </a:r>
+            <a:r>
+              <a:rPr lang="zh-CN" altLang="en-US" dirty="0" smtClean="0"/>
+              <a:t>协议实际上是一个协议簇，由一组协议组成，其中最核心的是</a:t>
+            </a:r>
+            <a:r>
+              <a:rPr lang="en-US" altLang="zh-CN" dirty="0" smtClean="0"/>
+              <a:t>TCP</a:t>
+            </a:r>
+            <a:r>
+              <a:rPr lang="zh-CN" altLang="en-US" dirty="0" smtClean="0"/>
+              <a:t>和</a:t>
+            </a:r>
+            <a:r>
+              <a:rPr lang="en-US" altLang="zh-CN" dirty="0" smtClean="0"/>
+              <a:t>IP</a:t>
+            </a:r>
+            <a:r>
+              <a:rPr lang="zh-CN" altLang="en-US" dirty="0" smtClean="0"/>
+              <a:t>。</a:t>
+            </a:r>
+            <a:endParaRPr lang="en-US" altLang="zh-CN" dirty="0" smtClean="0"/>
+          </a:p>
+          <a:p>
+            <a:r>
+              <a:rPr lang="en-US" altLang="zh-CN" dirty="0" smtClean="0"/>
+              <a:t>IP</a:t>
+            </a:r>
+            <a:r>
+              <a:rPr lang="zh-CN" altLang="en-US" dirty="0" smtClean="0"/>
+              <a:t>协议工作在网络层，</a:t>
+            </a:r>
+            <a:r>
+              <a:rPr lang="en-US" altLang="zh-CN" dirty="0" smtClean="0"/>
+              <a:t>TCP</a:t>
+            </a:r>
+            <a:r>
+              <a:rPr lang="zh-CN" altLang="en-US" dirty="0" smtClean="0"/>
+              <a:t>和</a:t>
+            </a:r>
+            <a:r>
+              <a:rPr lang="en-US" altLang="zh-CN" dirty="0" smtClean="0"/>
+              <a:t>UDP</a:t>
+            </a:r>
+            <a:r>
+              <a:rPr lang="zh-CN" altLang="en-US" dirty="0" smtClean="0"/>
+              <a:t>工作在传输层。</a:t>
+            </a:r>
+            <a:endParaRPr lang="en-US" altLang="zh-CN" dirty="0" smtClean="0"/>
+          </a:p>
+          <a:p>
+            <a:r>
+              <a:rPr lang="zh-CN" altLang="en-US" dirty="0" smtClean="0"/>
+              <a:t>常用协议：</a:t>
+            </a:r>
+            <a:endParaRPr lang="en-US" altLang="zh-CN" dirty="0" smtClean="0"/>
+          </a:p>
+          <a:p>
+            <a:r>
+              <a:rPr lang="en-US" altLang="zh-CN" dirty="0" smtClean="0"/>
+              <a:t>Http</a:t>
+            </a:r>
+          </a:p>
+          <a:p>
+            <a:r>
+              <a:rPr lang="en-US" altLang="zh-CN" dirty="0" smtClean="0"/>
+              <a:t>FTP</a:t>
+            </a:r>
+          </a:p>
+          <a:p>
+            <a:r>
+              <a:rPr lang="en-US" altLang="zh-CN" dirty="0" smtClean="0"/>
+              <a:t>SMTP</a:t>
+            </a:r>
+          </a:p>
+          <a:p>
+            <a:r>
+              <a:rPr lang="en-US" altLang="zh-CN"/>
+              <a:t>DNS</a:t>
+            </a:r>
+            <a:endParaRPr lang="zh-CN" altLang="en-US"/>
+          </a:p>
+        </p:txBody>
+      </p:sp>
+    </p:spTree>
+    <p:extLst>
+      <p:ext uri="{BB962C8B-B14F-4D97-AF65-F5344CB8AC3E}">
+        <p14:creationId xmlns:p14="http://schemas.microsoft.com/office/powerpoint/2010/main" val="358250072"/>
+      </p:ext>
+    </p:extLst>
+  </p:cSld>
+  <p:clrMapOvr>
+    <a:masterClrMapping/>
+  </p:clrMapOvr>
+</p:sld>
+</file>
+
 <file path=ppt/slides/slide3.xml><?xml version="1.0" encoding="utf-8"?>
 <p:sld xmlns:a="http://schemas.openxmlformats.org/drawingml/2006/main" xmlns:r="http://schemas.openxmlformats.org/officeDocument/2006/relationships" xmlns:p="http://schemas.openxmlformats.org/presentationml/2006/main">
   <p:cSld>
@@ -6632,7 +7637,7 @@
           </a:p>
           <a:p>
             <a:r>
-              <a:rPr lang="zh-CN" altLang="en-US" smtClean="0"/>
+              <a:rPr lang="zh-CN" altLang="en-US" dirty="0" smtClean="0"/>
               <a:t>对信号进行转换以适应不同传输媒体的要求。</a:t>
             </a:r>
             <a:endParaRPr lang="zh-CN" altLang="en-US" dirty="0"/>
@@ -7034,7 +8039,7 @@
             <a:graphicData uri="http://schemas.openxmlformats.org/presentationml/2006/ole">
               <mc:AlternateContent xmlns:mc="http://schemas.openxmlformats.org/markup-compatibility/2006">
                 <mc:Choice xmlns:v="urn:schemas-microsoft-com:vml" Requires="v">
-                  <p:oleObj spid="_x0000_s1028" r:id="rId3" imgW="6252058" imgH="3964838" progId="Visio.Drawing.11">
+                  <p:oleObj spid="_x0000_s1031" r:id="rId3" imgW="6252058" imgH="3964838" progId="Visio.Drawing.11">
                     <p:embed/>
                   </p:oleObj>
                 </mc:Choice>
